--- a/MoonKour.pptx
+++ b/MoonKour.pptx
@@ -4,9 +4,6 @@
   <p:sldMasterIdLst>
     <p:sldMasterId id="2147483648" r:id="rId1"/>
   </p:sldMasterIdLst>
-  <p:notesMasterIdLst>
-    <p:notesMasterId r:id="rId8"/>
-  </p:notesMasterIdLst>
   <p:sldIdLst>
     <p:sldId id="256" r:id="rId2"/>
     <p:sldId id="257" r:id="rId3"/>
@@ -14,6 +11,7 @@
     <p:sldId id="259" r:id="rId5"/>
     <p:sldId id="260" r:id="rId6"/>
     <p:sldId id="261" r:id="rId7"/>
+    <p:sldId id="262" r:id="rId8"/>
   </p:sldIdLst>
   <p:sldSz cx="12192000" cy="6858000"/>
   <p:notesSz cx="6858000" cy="9144000"/>
@@ -115,439 +113,6 @@
 </p:presentation>
 </file>
 
-<file path=ppt/notesMasters/notesMaster1.xml><?xml version="1.0" encoding="utf-8"?>
-<p:notesMaster xmlns:a="http://schemas.openxmlformats.org/drawingml/2006/main" xmlns:r="http://schemas.openxmlformats.org/officeDocument/2006/relationships" xmlns:p="http://schemas.openxmlformats.org/presentationml/2006/main">
-  <p:cSld>
-    <p:bg>
-      <p:bgRef idx="1001">
-        <a:schemeClr val="bg1"/>
-      </p:bgRef>
-    </p:bg>
-    <p:spTree>
-      <p:nvGrpSpPr>
-        <p:cNvPr id="1" name=""/>
-        <p:cNvGrpSpPr/>
-        <p:nvPr/>
-      </p:nvGrpSpPr>
-      <p:grpSpPr>
-        <a:xfrm>
-          <a:off x="0" y="0"/>
-          <a:ext cx="0" cy="0"/>
-          <a:chOff x="0" y="0"/>
-          <a:chExt cx="0" cy="0"/>
-        </a:xfrm>
-      </p:grpSpPr>
-      <p:sp>
-        <p:nvSpPr>
-          <p:cNvPr id="2" name="Zástupný symbol pro záhlaví 1"/>
-          <p:cNvSpPr>
-            <a:spLocks noGrp="1"/>
-          </p:cNvSpPr>
-          <p:nvPr>
-            <p:ph type="hdr" sz="quarter"/>
-          </p:nvPr>
-        </p:nvSpPr>
-        <p:spPr>
-          <a:xfrm>
-            <a:off x="0" y="0"/>
-            <a:ext cx="2971800" cy="458788"/>
-          </a:xfrm>
-          <a:prstGeom prst="rect">
-            <a:avLst/>
-          </a:prstGeom>
-        </p:spPr>
-        <p:txBody>
-          <a:bodyPr vert="horz" lIns="91440" tIns="45720" rIns="91440" bIns="45720" rtlCol="0"/>
-          <a:lstStyle>
-            <a:lvl1pPr algn="l">
-              <a:defRPr sz="1200"/>
-            </a:lvl1pPr>
-          </a:lstStyle>
-          <a:p>
-            <a:endParaRPr lang="cs-CZ"/>
-          </a:p>
-        </p:txBody>
-      </p:sp>
-      <p:sp>
-        <p:nvSpPr>
-          <p:cNvPr id="3" name="Zástupný symbol pro datum 2"/>
-          <p:cNvSpPr>
-            <a:spLocks noGrp="1"/>
-          </p:cNvSpPr>
-          <p:nvPr>
-            <p:ph type="dt" idx="1"/>
-          </p:nvPr>
-        </p:nvSpPr>
-        <p:spPr>
-          <a:xfrm>
-            <a:off x="3884613" y="0"/>
-            <a:ext cx="2971800" cy="458788"/>
-          </a:xfrm>
-          <a:prstGeom prst="rect">
-            <a:avLst/>
-          </a:prstGeom>
-        </p:spPr>
-        <p:txBody>
-          <a:bodyPr vert="horz" lIns="91440" tIns="45720" rIns="91440" bIns="45720" rtlCol="0"/>
-          <a:lstStyle>
-            <a:lvl1pPr algn="r">
-              <a:defRPr sz="1200"/>
-            </a:lvl1pPr>
-          </a:lstStyle>
-          <a:p>
-            <a:fld id="{1DE71EB0-9C18-480F-8639-2AE63725D4CF}" type="datetimeFigureOut">
-              <a:rPr lang="cs-CZ" smtClean="0"/>
-              <a:t>04.11.2024</a:t>
-            </a:fld>
-            <a:endParaRPr lang="cs-CZ"/>
-          </a:p>
-        </p:txBody>
-      </p:sp>
-      <p:sp>
-        <p:nvSpPr>
-          <p:cNvPr id="4" name="Zástupný symbol pro obrázek snímku 3"/>
-          <p:cNvSpPr>
-            <a:spLocks noGrp="1" noRot="1" noChangeAspect="1"/>
-          </p:cNvSpPr>
-          <p:nvPr>
-            <p:ph type="sldImg" idx="2"/>
-          </p:nvPr>
-        </p:nvSpPr>
-        <p:spPr>
-          <a:xfrm>
-            <a:off x="685800" y="1143000"/>
-            <a:ext cx="5486400" cy="3086100"/>
-          </a:xfrm>
-          <a:prstGeom prst="rect">
-            <a:avLst/>
-          </a:prstGeom>
-          <a:noFill/>
-          <a:ln w="12700">
-            <a:solidFill>
-              <a:prstClr val="black"/>
-            </a:solidFill>
-          </a:ln>
-        </p:spPr>
-        <p:txBody>
-          <a:bodyPr vert="horz" lIns="91440" tIns="45720" rIns="91440" bIns="45720" rtlCol="0" anchor="ctr"/>
-          <a:lstStyle/>
-          <a:p>
-            <a:endParaRPr lang="cs-CZ"/>
-          </a:p>
-        </p:txBody>
-      </p:sp>
-      <p:sp>
-        <p:nvSpPr>
-          <p:cNvPr id="5" name="Zástupný symbol pro poznámky 4"/>
-          <p:cNvSpPr>
-            <a:spLocks noGrp="1"/>
-          </p:cNvSpPr>
-          <p:nvPr>
-            <p:ph type="body" sz="quarter" idx="3"/>
-          </p:nvPr>
-        </p:nvSpPr>
-        <p:spPr>
-          <a:xfrm>
-            <a:off x="685800" y="4400550"/>
-            <a:ext cx="5486400" cy="3600450"/>
-          </a:xfrm>
-          <a:prstGeom prst="rect">
-            <a:avLst/>
-          </a:prstGeom>
-        </p:spPr>
-        <p:txBody>
-          <a:bodyPr vert="horz" lIns="91440" tIns="45720" rIns="91440" bIns="45720" rtlCol="0"/>
-          <a:lstStyle/>
-          <a:p>
-            <a:pPr lvl="0"/>
-            <a:r>
-              <a:rPr lang="cs-CZ"/>
-              <a:t>Po kliknutí můžete upravovat styly textu v předloze.</a:t>
-            </a:r>
-          </a:p>
-          <a:p>
-            <a:pPr lvl="1"/>
-            <a:r>
-              <a:rPr lang="cs-CZ"/>
-              <a:t>Druhá úroveň</a:t>
-            </a:r>
-          </a:p>
-          <a:p>
-            <a:pPr lvl="2"/>
-            <a:r>
-              <a:rPr lang="cs-CZ"/>
-              <a:t>Třetí úroveň</a:t>
-            </a:r>
-          </a:p>
-          <a:p>
-            <a:pPr lvl="3"/>
-            <a:r>
-              <a:rPr lang="cs-CZ"/>
-              <a:t>Čtvrtá úroveň</a:t>
-            </a:r>
-          </a:p>
-          <a:p>
-            <a:pPr lvl="4"/>
-            <a:r>
-              <a:rPr lang="cs-CZ"/>
-              <a:t>Pátá úroveň</a:t>
-            </a:r>
-          </a:p>
-        </p:txBody>
-      </p:sp>
-      <p:sp>
-        <p:nvSpPr>
-          <p:cNvPr id="6" name="Zástupný symbol pro zápatí 5"/>
-          <p:cNvSpPr>
-            <a:spLocks noGrp="1"/>
-          </p:cNvSpPr>
-          <p:nvPr>
-            <p:ph type="ftr" sz="quarter" idx="4"/>
-          </p:nvPr>
-        </p:nvSpPr>
-        <p:spPr>
-          <a:xfrm>
-            <a:off x="0" y="8685213"/>
-            <a:ext cx="2971800" cy="458787"/>
-          </a:xfrm>
-          <a:prstGeom prst="rect">
-            <a:avLst/>
-          </a:prstGeom>
-        </p:spPr>
-        <p:txBody>
-          <a:bodyPr vert="horz" lIns="91440" tIns="45720" rIns="91440" bIns="45720" rtlCol="0" anchor="b"/>
-          <a:lstStyle>
-            <a:lvl1pPr algn="l">
-              <a:defRPr sz="1200"/>
-            </a:lvl1pPr>
-          </a:lstStyle>
-          <a:p>
-            <a:endParaRPr lang="cs-CZ"/>
-          </a:p>
-        </p:txBody>
-      </p:sp>
-      <p:sp>
-        <p:nvSpPr>
-          <p:cNvPr id="7" name="Zástupný symbol pro číslo snímku 6"/>
-          <p:cNvSpPr>
-            <a:spLocks noGrp="1"/>
-          </p:cNvSpPr>
-          <p:nvPr>
-            <p:ph type="sldNum" sz="quarter" idx="5"/>
-          </p:nvPr>
-        </p:nvSpPr>
-        <p:spPr>
-          <a:xfrm>
-            <a:off x="3884613" y="8685213"/>
-            <a:ext cx="2971800" cy="458787"/>
-          </a:xfrm>
-          <a:prstGeom prst="rect">
-            <a:avLst/>
-          </a:prstGeom>
-        </p:spPr>
-        <p:txBody>
-          <a:bodyPr vert="horz" lIns="91440" tIns="45720" rIns="91440" bIns="45720" rtlCol="0" anchor="b"/>
-          <a:lstStyle>
-            <a:lvl1pPr algn="r">
-              <a:defRPr sz="1200"/>
-            </a:lvl1pPr>
-          </a:lstStyle>
-          <a:p>
-            <a:fld id="{156071A6-779C-482C-B467-5A9D19A86890}" type="slidenum">
-              <a:rPr lang="cs-CZ" smtClean="0"/>
-              <a:t>‹#›</a:t>
-            </a:fld>
-            <a:endParaRPr lang="cs-CZ"/>
-          </a:p>
-        </p:txBody>
-      </p:sp>
-    </p:spTree>
-    <p:extLst>
-      <p:ext uri="{BB962C8B-B14F-4D97-AF65-F5344CB8AC3E}">
-        <p14:creationId xmlns:p14="http://schemas.microsoft.com/office/powerpoint/2010/main" val="2783419722"/>
-      </p:ext>
-    </p:extLst>
-  </p:cSld>
-  <p:clrMap bg1="lt1" tx1="dk1" bg2="lt2" tx2="dk2" accent1="accent1" accent2="accent2" accent3="accent3" accent4="accent4" accent5="accent5" accent6="accent6" hlink="hlink" folHlink="folHlink"/>
-  <p:notesStyle>
-    <a:lvl1pPr marL="0" algn="l" defTabSz="914400" rtl="0" eaLnBrk="1" latinLnBrk="0" hangingPunct="1">
-      <a:defRPr sz="1200" kern="1200">
-        <a:solidFill>
-          <a:schemeClr val="tx1"/>
-        </a:solidFill>
-        <a:latin typeface="+mn-lt"/>
-        <a:ea typeface="+mn-ea"/>
-        <a:cs typeface="+mn-cs"/>
-      </a:defRPr>
-    </a:lvl1pPr>
-    <a:lvl2pPr marL="457200" algn="l" defTabSz="914400" rtl="0" eaLnBrk="1" latinLnBrk="0" hangingPunct="1">
-      <a:defRPr sz="1200" kern="1200">
-        <a:solidFill>
-          <a:schemeClr val="tx1"/>
-        </a:solidFill>
-        <a:latin typeface="+mn-lt"/>
-        <a:ea typeface="+mn-ea"/>
-        <a:cs typeface="+mn-cs"/>
-      </a:defRPr>
-    </a:lvl2pPr>
-    <a:lvl3pPr marL="914400" algn="l" defTabSz="914400" rtl="0" eaLnBrk="1" latinLnBrk="0" hangingPunct="1">
-      <a:defRPr sz="1200" kern="1200">
-        <a:solidFill>
-          <a:schemeClr val="tx1"/>
-        </a:solidFill>
-        <a:latin typeface="+mn-lt"/>
-        <a:ea typeface="+mn-ea"/>
-        <a:cs typeface="+mn-cs"/>
-      </a:defRPr>
-    </a:lvl3pPr>
-    <a:lvl4pPr marL="1371600" algn="l" defTabSz="914400" rtl="0" eaLnBrk="1" latinLnBrk="0" hangingPunct="1">
-      <a:defRPr sz="1200" kern="1200">
-        <a:solidFill>
-          <a:schemeClr val="tx1"/>
-        </a:solidFill>
-        <a:latin typeface="+mn-lt"/>
-        <a:ea typeface="+mn-ea"/>
-        <a:cs typeface="+mn-cs"/>
-      </a:defRPr>
-    </a:lvl4pPr>
-    <a:lvl5pPr marL="1828800" algn="l" defTabSz="914400" rtl="0" eaLnBrk="1" latinLnBrk="0" hangingPunct="1">
-      <a:defRPr sz="1200" kern="1200">
-        <a:solidFill>
-          <a:schemeClr val="tx1"/>
-        </a:solidFill>
-        <a:latin typeface="+mn-lt"/>
-        <a:ea typeface="+mn-ea"/>
-        <a:cs typeface="+mn-cs"/>
-      </a:defRPr>
-    </a:lvl5pPr>
-    <a:lvl6pPr marL="2286000" algn="l" defTabSz="914400" rtl="0" eaLnBrk="1" latinLnBrk="0" hangingPunct="1">
-      <a:defRPr sz="1200" kern="1200">
-        <a:solidFill>
-          <a:schemeClr val="tx1"/>
-        </a:solidFill>
-        <a:latin typeface="+mn-lt"/>
-        <a:ea typeface="+mn-ea"/>
-        <a:cs typeface="+mn-cs"/>
-      </a:defRPr>
-    </a:lvl6pPr>
-    <a:lvl7pPr marL="2743200" algn="l" defTabSz="914400" rtl="0" eaLnBrk="1" latinLnBrk="0" hangingPunct="1">
-      <a:defRPr sz="1200" kern="1200">
-        <a:solidFill>
-          <a:schemeClr val="tx1"/>
-        </a:solidFill>
-        <a:latin typeface="+mn-lt"/>
-        <a:ea typeface="+mn-ea"/>
-        <a:cs typeface="+mn-cs"/>
-      </a:defRPr>
-    </a:lvl7pPr>
-    <a:lvl8pPr marL="3200400" algn="l" defTabSz="914400" rtl="0" eaLnBrk="1" latinLnBrk="0" hangingPunct="1">
-      <a:defRPr sz="1200" kern="1200">
-        <a:solidFill>
-          <a:schemeClr val="tx1"/>
-        </a:solidFill>
-        <a:latin typeface="+mn-lt"/>
-        <a:ea typeface="+mn-ea"/>
-        <a:cs typeface="+mn-cs"/>
-      </a:defRPr>
-    </a:lvl8pPr>
-    <a:lvl9pPr marL="3657600" algn="l" defTabSz="914400" rtl="0" eaLnBrk="1" latinLnBrk="0" hangingPunct="1">
-      <a:defRPr sz="1200" kern="1200">
-        <a:solidFill>
-          <a:schemeClr val="tx1"/>
-        </a:solidFill>
-        <a:latin typeface="+mn-lt"/>
-        <a:ea typeface="+mn-ea"/>
-        <a:cs typeface="+mn-cs"/>
-      </a:defRPr>
-    </a:lvl9pPr>
-  </p:notesStyle>
-</p:notesMaster>
-</file>
-
-<file path=ppt/notesSlides/notesSlide1.xml><?xml version="1.0" encoding="utf-8"?>
-<p:notes xmlns:a="http://schemas.openxmlformats.org/drawingml/2006/main" xmlns:r="http://schemas.openxmlformats.org/officeDocument/2006/relationships" xmlns:p="http://schemas.openxmlformats.org/presentationml/2006/main">
-  <p:cSld>
-    <p:spTree>
-      <p:nvGrpSpPr>
-        <p:cNvPr id="1" name=""/>
-        <p:cNvGrpSpPr/>
-        <p:nvPr/>
-      </p:nvGrpSpPr>
-      <p:grpSpPr>
-        <a:xfrm>
-          <a:off x="0" y="0"/>
-          <a:ext cx="0" cy="0"/>
-          <a:chOff x="0" y="0"/>
-          <a:chExt cx="0" cy="0"/>
-        </a:xfrm>
-      </p:grpSpPr>
-      <p:sp>
-        <p:nvSpPr>
-          <p:cNvPr id="2" name="Zástupný symbol pro obrázek snímku 1"/>
-          <p:cNvSpPr>
-            <a:spLocks noGrp="1" noRot="1" noChangeAspect="1"/>
-          </p:cNvSpPr>
-          <p:nvPr>
-            <p:ph type="sldImg"/>
-          </p:nvPr>
-        </p:nvSpPr>
-        <p:spPr/>
-      </p:sp>
-      <p:sp>
-        <p:nvSpPr>
-          <p:cNvPr id="3" name="Zástupný symbol pro poznámky 2"/>
-          <p:cNvSpPr>
-            <a:spLocks noGrp="1"/>
-          </p:cNvSpPr>
-          <p:nvPr>
-            <p:ph type="body" idx="1"/>
-          </p:nvPr>
-        </p:nvSpPr>
-        <p:spPr/>
-        <p:txBody>
-          <a:bodyPr/>
-          <a:lstStyle/>
-          <a:p>
-            <a:endParaRPr lang="cs-CZ" dirty="0"/>
-          </a:p>
-        </p:txBody>
-      </p:sp>
-      <p:sp>
-        <p:nvSpPr>
-          <p:cNvPr id="4" name="Zástupný symbol pro číslo snímku 3"/>
-          <p:cNvSpPr>
-            <a:spLocks noGrp="1"/>
-          </p:cNvSpPr>
-          <p:nvPr>
-            <p:ph type="sldNum" sz="quarter" idx="5"/>
-          </p:nvPr>
-        </p:nvSpPr>
-        <p:spPr/>
-        <p:txBody>
-          <a:bodyPr/>
-          <a:lstStyle/>
-          <a:p>
-            <a:fld id="{156071A6-779C-482C-B467-5A9D19A86890}" type="slidenum">
-              <a:rPr lang="cs-CZ" smtClean="0"/>
-              <a:t>4</a:t>
-            </a:fld>
-            <a:endParaRPr lang="cs-CZ"/>
-          </a:p>
-        </p:txBody>
-      </p:sp>
-    </p:spTree>
-    <p:extLst>
-      <p:ext uri="{BB962C8B-B14F-4D97-AF65-F5344CB8AC3E}">
-        <p14:creationId xmlns:p14="http://schemas.microsoft.com/office/powerpoint/2010/main" val="150521950"/>
-      </p:ext>
-    </p:extLst>
-  </p:cSld>
-  <p:clrMapOvr>
-    <a:masterClrMapping/>
-  </p:clrMapOvr>
-</p:notes>
-</file>
-
 <file path=ppt/slideLayouts/slideLayout1.xml><?xml version="1.0" encoding="utf-8"?>
 <p:sldLayout xmlns:a="http://schemas.openxmlformats.org/drawingml/2006/main" xmlns:r="http://schemas.openxmlformats.org/officeDocument/2006/relationships" xmlns:p="http://schemas.openxmlformats.org/presentationml/2006/main" type="title" preserve="1">
   <p:cSld name="Úvodní snímek">
@@ -570,7 +135,7 @@
           <p:cNvPr id="2" name="Nadpis 1">
             <a:extLst>
               <a:ext uri="{FF2B5EF4-FFF2-40B4-BE49-F238E27FC236}">
-                <a16:creationId xmlns:a16="http://schemas.microsoft.com/office/drawing/2014/main" id="{7F1DEFF9-B1F1-DCA9-5EE3-26D08A68DE8A}"/>
+                <a16:creationId xmlns:a16="http://schemas.microsoft.com/office/drawing/2014/main" id="{3D818C1E-62AC-888C-308C-19626EAA15F0}"/>
               </a:ext>
             </a:extLst>
           </p:cNvPr>
@@ -607,7 +172,7 @@
           <p:cNvPr id="3" name="Podnadpis 2">
             <a:extLst>
               <a:ext uri="{FF2B5EF4-FFF2-40B4-BE49-F238E27FC236}">
-                <a16:creationId xmlns:a16="http://schemas.microsoft.com/office/drawing/2014/main" id="{23660BCB-057B-C2D4-71B2-FF6E61501E55}"/>
+                <a16:creationId xmlns:a16="http://schemas.microsoft.com/office/drawing/2014/main" id="{6CF1B29A-F110-9C0B-9DF8-CC965C56E43B}"/>
               </a:ext>
             </a:extLst>
           </p:cNvPr>
@@ -677,7 +242,7 @@
           <p:cNvPr id="4" name="Zástupný symbol pro datum 3">
             <a:extLst>
               <a:ext uri="{FF2B5EF4-FFF2-40B4-BE49-F238E27FC236}">
-                <a16:creationId xmlns:a16="http://schemas.microsoft.com/office/drawing/2014/main" id="{DF640D59-5560-F236-8E9F-CC76B1C308BF}"/>
+                <a16:creationId xmlns:a16="http://schemas.microsoft.com/office/drawing/2014/main" id="{D64DBDAF-6517-29BC-91CA-5D9C35482953}"/>
               </a:ext>
             </a:extLst>
           </p:cNvPr>
@@ -693,9 +258,9 @@
           <a:bodyPr/>
           <a:lstStyle/>
           <a:p>
-            <a:fld id="{7CEA52BF-4122-493B-9D51-01947619CD0A}" type="datetimeFigureOut">
+            <a:fld id="{457B2074-8ED1-41B1-91EC-1631752BEE54}" type="datetimeFigureOut">
               <a:rPr lang="cs-CZ" smtClean="0"/>
-              <a:t>04.11.2024</a:t>
+              <a:t>07.11.2024</a:t>
             </a:fld>
             <a:endParaRPr lang="cs-CZ"/>
           </a:p>
@@ -706,7 +271,7 @@
           <p:cNvPr id="5" name="Zástupný symbol pro zápatí 4">
             <a:extLst>
               <a:ext uri="{FF2B5EF4-FFF2-40B4-BE49-F238E27FC236}">
-                <a16:creationId xmlns:a16="http://schemas.microsoft.com/office/drawing/2014/main" id="{3771108D-1641-F7CC-41F6-2C354E223882}"/>
+                <a16:creationId xmlns:a16="http://schemas.microsoft.com/office/drawing/2014/main" id="{3FBC2459-59A5-F5EC-A70E-1EA9292935FD}"/>
               </a:ext>
             </a:extLst>
           </p:cNvPr>
@@ -731,7 +296,7 @@
           <p:cNvPr id="6" name="Zástupný symbol pro číslo snímku 5">
             <a:extLst>
               <a:ext uri="{FF2B5EF4-FFF2-40B4-BE49-F238E27FC236}">
-                <a16:creationId xmlns:a16="http://schemas.microsoft.com/office/drawing/2014/main" id="{90D453EB-5037-F5ED-246A-6D56C9166192}"/>
+                <a16:creationId xmlns:a16="http://schemas.microsoft.com/office/drawing/2014/main" id="{FCAAA28D-19A1-7EB3-5D85-7C13EB26EC76}"/>
               </a:ext>
             </a:extLst>
           </p:cNvPr>
@@ -747,7 +312,7 @@
           <a:bodyPr/>
           <a:lstStyle/>
           <a:p>
-            <a:fld id="{C7917FAA-8CD0-4526-806F-2C631692D5E1}" type="slidenum">
+            <a:fld id="{4D38CA3E-35E8-4FC1-8684-BBC383E7CF09}" type="slidenum">
               <a:rPr lang="cs-CZ" smtClean="0"/>
               <a:t>‹#›</a:t>
             </a:fld>
@@ -758,7 +323,7 @@
     </p:spTree>
     <p:extLst>
       <p:ext uri="{BB962C8B-B14F-4D97-AF65-F5344CB8AC3E}">
-        <p14:creationId xmlns:p14="http://schemas.microsoft.com/office/powerpoint/2010/main" val="3133174748"/>
+        <p14:creationId xmlns:p14="http://schemas.microsoft.com/office/powerpoint/2010/main" val="1216757428"/>
       </p:ext>
     </p:extLst>
   </p:cSld>
@@ -790,7 +355,7 @@
           <p:cNvPr id="2" name="Nadpis 1">
             <a:extLst>
               <a:ext uri="{FF2B5EF4-FFF2-40B4-BE49-F238E27FC236}">
-                <a16:creationId xmlns:a16="http://schemas.microsoft.com/office/drawing/2014/main" id="{20C2920F-5E99-3C57-8475-2FF7AF21963C}"/>
+                <a16:creationId xmlns:a16="http://schemas.microsoft.com/office/drawing/2014/main" id="{6DF9EA9F-B1FE-72CC-B04C-3E0DC03A74CA}"/>
               </a:ext>
             </a:extLst>
           </p:cNvPr>
@@ -818,7 +383,7 @@
           <p:cNvPr id="3" name="Zástupný symbol pro svislý text 2">
             <a:extLst>
               <a:ext uri="{FF2B5EF4-FFF2-40B4-BE49-F238E27FC236}">
-                <a16:creationId xmlns:a16="http://schemas.microsoft.com/office/drawing/2014/main" id="{86E8DCA1-2FF7-5F6D-D733-2A57E15157D4}"/>
+                <a16:creationId xmlns:a16="http://schemas.microsoft.com/office/drawing/2014/main" id="{74FD70C8-0BE9-C368-33CC-7DE1534B2ACF}"/>
               </a:ext>
             </a:extLst>
           </p:cNvPr>
@@ -875,7 +440,7 @@
           <p:cNvPr id="4" name="Zástupný symbol pro datum 3">
             <a:extLst>
               <a:ext uri="{FF2B5EF4-FFF2-40B4-BE49-F238E27FC236}">
-                <a16:creationId xmlns:a16="http://schemas.microsoft.com/office/drawing/2014/main" id="{4438BCE5-D2A1-5504-EC9A-4D2F7B4B15B3}"/>
+                <a16:creationId xmlns:a16="http://schemas.microsoft.com/office/drawing/2014/main" id="{8D0F3C89-2F3F-4546-314C-241107396EF8}"/>
               </a:ext>
             </a:extLst>
           </p:cNvPr>
@@ -891,9 +456,9 @@
           <a:bodyPr/>
           <a:lstStyle/>
           <a:p>
-            <a:fld id="{7CEA52BF-4122-493B-9D51-01947619CD0A}" type="datetimeFigureOut">
+            <a:fld id="{457B2074-8ED1-41B1-91EC-1631752BEE54}" type="datetimeFigureOut">
               <a:rPr lang="cs-CZ" smtClean="0"/>
-              <a:t>04.11.2024</a:t>
+              <a:t>07.11.2024</a:t>
             </a:fld>
             <a:endParaRPr lang="cs-CZ"/>
           </a:p>
@@ -904,7 +469,7 @@
           <p:cNvPr id="5" name="Zástupný symbol pro zápatí 4">
             <a:extLst>
               <a:ext uri="{FF2B5EF4-FFF2-40B4-BE49-F238E27FC236}">
-                <a16:creationId xmlns:a16="http://schemas.microsoft.com/office/drawing/2014/main" id="{C0BF34CC-9B7A-DF71-7C20-A09AE3330C12}"/>
+                <a16:creationId xmlns:a16="http://schemas.microsoft.com/office/drawing/2014/main" id="{5BF46AA2-6E76-9D01-791E-EC716183F7C7}"/>
               </a:ext>
             </a:extLst>
           </p:cNvPr>
@@ -929,7 +494,7 @@
           <p:cNvPr id="6" name="Zástupný symbol pro číslo snímku 5">
             <a:extLst>
               <a:ext uri="{FF2B5EF4-FFF2-40B4-BE49-F238E27FC236}">
-                <a16:creationId xmlns:a16="http://schemas.microsoft.com/office/drawing/2014/main" id="{A3574602-E155-3EF6-89CD-061D59E60470}"/>
+                <a16:creationId xmlns:a16="http://schemas.microsoft.com/office/drawing/2014/main" id="{19150251-DE9F-4687-6482-A36159B4D9D5}"/>
               </a:ext>
             </a:extLst>
           </p:cNvPr>
@@ -945,7 +510,7 @@
           <a:bodyPr/>
           <a:lstStyle/>
           <a:p>
-            <a:fld id="{C7917FAA-8CD0-4526-806F-2C631692D5E1}" type="slidenum">
+            <a:fld id="{4D38CA3E-35E8-4FC1-8684-BBC383E7CF09}" type="slidenum">
               <a:rPr lang="cs-CZ" smtClean="0"/>
               <a:t>‹#›</a:t>
             </a:fld>
@@ -956,7 +521,7 @@
     </p:spTree>
     <p:extLst>
       <p:ext uri="{BB962C8B-B14F-4D97-AF65-F5344CB8AC3E}">
-        <p14:creationId xmlns:p14="http://schemas.microsoft.com/office/powerpoint/2010/main" val="449229429"/>
+        <p14:creationId xmlns:p14="http://schemas.microsoft.com/office/powerpoint/2010/main" val="182628284"/>
       </p:ext>
     </p:extLst>
   </p:cSld>
@@ -988,7 +553,7 @@
           <p:cNvPr id="2" name="Svislý nadpis 1">
             <a:extLst>
               <a:ext uri="{FF2B5EF4-FFF2-40B4-BE49-F238E27FC236}">
-                <a16:creationId xmlns:a16="http://schemas.microsoft.com/office/drawing/2014/main" id="{D3313B93-0B36-0520-2BD6-9E1A34704F95}"/>
+                <a16:creationId xmlns:a16="http://schemas.microsoft.com/office/drawing/2014/main" id="{CDC07730-4106-6747-C194-64EBF0AF5FC6}"/>
               </a:ext>
             </a:extLst>
           </p:cNvPr>
@@ -1021,7 +586,7 @@
           <p:cNvPr id="3" name="Zástupný symbol pro svislý text 2">
             <a:extLst>
               <a:ext uri="{FF2B5EF4-FFF2-40B4-BE49-F238E27FC236}">
-                <a16:creationId xmlns:a16="http://schemas.microsoft.com/office/drawing/2014/main" id="{5DA8506C-7DE6-CD44-A216-197F43EC7D68}"/>
+                <a16:creationId xmlns:a16="http://schemas.microsoft.com/office/drawing/2014/main" id="{10AA5067-8627-9553-4997-14DCFD909018}"/>
               </a:ext>
             </a:extLst>
           </p:cNvPr>
@@ -1083,7 +648,7 @@
           <p:cNvPr id="4" name="Zástupný symbol pro datum 3">
             <a:extLst>
               <a:ext uri="{FF2B5EF4-FFF2-40B4-BE49-F238E27FC236}">
-                <a16:creationId xmlns:a16="http://schemas.microsoft.com/office/drawing/2014/main" id="{CA474447-FC22-231E-83CC-9E7C78C7DA6E}"/>
+                <a16:creationId xmlns:a16="http://schemas.microsoft.com/office/drawing/2014/main" id="{D66BEA27-051D-15FA-96F7-D131EA1FF508}"/>
               </a:ext>
             </a:extLst>
           </p:cNvPr>
@@ -1099,9 +664,9 @@
           <a:bodyPr/>
           <a:lstStyle/>
           <a:p>
-            <a:fld id="{7CEA52BF-4122-493B-9D51-01947619CD0A}" type="datetimeFigureOut">
+            <a:fld id="{457B2074-8ED1-41B1-91EC-1631752BEE54}" type="datetimeFigureOut">
               <a:rPr lang="cs-CZ" smtClean="0"/>
-              <a:t>04.11.2024</a:t>
+              <a:t>07.11.2024</a:t>
             </a:fld>
             <a:endParaRPr lang="cs-CZ"/>
           </a:p>
@@ -1112,7 +677,7 @@
           <p:cNvPr id="5" name="Zástupný symbol pro zápatí 4">
             <a:extLst>
               <a:ext uri="{FF2B5EF4-FFF2-40B4-BE49-F238E27FC236}">
-                <a16:creationId xmlns:a16="http://schemas.microsoft.com/office/drawing/2014/main" id="{6A6496D7-BA54-BD54-1CD5-F9C620EE187C}"/>
+                <a16:creationId xmlns:a16="http://schemas.microsoft.com/office/drawing/2014/main" id="{F62DB5C8-D93C-894F-668E-58198911879F}"/>
               </a:ext>
             </a:extLst>
           </p:cNvPr>
@@ -1137,7 +702,7 @@
           <p:cNvPr id="6" name="Zástupný symbol pro číslo snímku 5">
             <a:extLst>
               <a:ext uri="{FF2B5EF4-FFF2-40B4-BE49-F238E27FC236}">
-                <a16:creationId xmlns:a16="http://schemas.microsoft.com/office/drawing/2014/main" id="{8F7CBDAA-C390-D9C9-DB58-BD8A7F25AC4F}"/>
+                <a16:creationId xmlns:a16="http://schemas.microsoft.com/office/drawing/2014/main" id="{C0FAD963-AD50-8B42-78DB-7D5051B07439}"/>
               </a:ext>
             </a:extLst>
           </p:cNvPr>
@@ -1153,7 +718,7 @@
           <a:bodyPr/>
           <a:lstStyle/>
           <a:p>
-            <a:fld id="{C7917FAA-8CD0-4526-806F-2C631692D5E1}" type="slidenum">
+            <a:fld id="{4D38CA3E-35E8-4FC1-8684-BBC383E7CF09}" type="slidenum">
               <a:rPr lang="cs-CZ" smtClean="0"/>
               <a:t>‹#›</a:t>
             </a:fld>
@@ -1164,7 +729,7 @@
     </p:spTree>
     <p:extLst>
       <p:ext uri="{BB962C8B-B14F-4D97-AF65-F5344CB8AC3E}">
-        <p14:creationId xmlns:p14="http://schemas.microsoft.com/office/powerpoint/2010/main" val="4202313050"/>
+        <p14:creationId xmlns:p14="http://schemas.microsoft.com/office/powerpoint/2010/main" val="3298217396"/>
       </p:ext>
     </p:extLst>
   </p:cSld>
@@ -1196,7 +761,7 @@
           <p:cNvPr id="2" name="Nadpis 1">
             <a:extLst>
               <a:ext uri="{FF2B5EF4-FFF2-40B4-BE49-F238E27FC236}">
-                <a16:creationId xmlns:a16="http://schemas.microsoft.com/office/drawing/2014/main" id="{4F848C5C-1476-0E65-AF5C-2AF7C2538C36}"/>
+                <a16:creationId xmlns:a16="http://schemas.microsoft.com/office/drawing/2014/main" id="{3026922E-BB80-C54F-E148-9704FA7B2993}"/>
               </a:ext>
             </a:extLst>
           </p:cNvPr>
@@ -1224,7 +789,7 @@
           <p:cNvPr id="3" name="Zástupný obsah 2">
             <a:extLst>
               <a:ext uri="{FF2B5EF4-FFF2-40B4-BE49-F238E27FC236}">
-                <a16:creationId xmlns:a16="http://schemas.microsoft.com/office/drawing/2014/main" id="{298F3248-8AE7-7AE6-2E38-6DC823DC5D85}"/>
+                <a16:creationId xmlns:a16="http://schemas.microsoft.com/office/drawing/2014/main" id="{095A4871-06E8-9A6F-CEB4-8A4D0D6618FD}"/>
               </a:ext>
             </a:extLst>
           </p:cNvPr>
@@ -1281,7 +846,7 @@
           <p:cNvPr id="4" name="Zástupný symbol pro datum 3">
             <a:extLst>
               <a:ext uri="{FF2B5EF4-FFF2-40B4-BE49-F238E27FC236}">
-                <a16:creationId xmlns:a16="http://schemas.microsoft.com/office/drawing/2014/main" id="{426ABBFD-2AE3-183A-DFB7-CF75DAE5BBFE}"/>
+                <a16:creationId xmlns:a16="http://schemas.microsoft.com/office/drawing/2014/main" id="{51E8C2DD-A220-F050-AE1C-FF75CEF939D3}"/>
               </a:ext>
             </a:extLst>
           </p:cNvPr>
@@ -1297,9 +862,9 @@
           <a:bodyPr/>
           <a:lstStyle/>
           <a:p>
-            <a:fld id="{7CEA52BF-4122-493B-9D51-01947619CD0A}" type="datetimeFigureOut">
+            <a:fld id="{457B2074-8ED1-41B1-91EC-1631752BEE54}" type="datetimeFigureOut">
               <a:rPr lang="cs-CZ" smtClean="0"/>
-              <a:t>04.11.2024</a:t>
+              <a:t>07.11.2024</a:t>
             </a:fld>
             <a:endParaRPr lang="cs-CZ"/>
           </a:p>
@@ -1310,7 +875,7 @@
           <p:cNvPr id="5" name="Zástupný symbol pro zápatí 4">
             <a:extLst>
               <a:ext uri="{FF2B5EF4-FFF2-40B4-BE49-F238E27FC236}">
-                <a16:creationId xmlns:a16="http://schemas.microsoft.com/office/drawing/2014/main" id="{C5DD33A5-A27C-DAFF-2636-ADBA5A9E92D1}"/>
+                <a16:creationId xmlns:a16="http://schemas.microsoft.com/office/drawing/2014/main" id="{2EF83A48-A90E-E8DE-85A5-B7FEB3615098}"/>
               </a:ext>
             </a:extLst>
           </p:cNvPr>
@@ -1335,7 +900,7 @@
           <p:cNvPr id="6" name="Zástupný symbol pro číslo snímku 5">
             <a:extLst>
               <a:ext uri="{FF2B5EF4-FFF2-40B4-BE49-F238E27FC236}">
-                <a16:creationId xmlns:a16="http://schemas.microsoft.com/office/drawing/2014/main" id="{92188E39-1BB1-D78E-93B8-6D1634A4F185}"/>
+                <a16:creationId xmlns:a16="http://schemas.microsoft.com/office/drawing/2014/main" id="{12FC6972-84CD-C749-E517-C77914542527}"/>
               </a:ext>
             </a:extLst>
           </p:cNvPr>
@@ -1351,7 +916,7 @@
           <a:bodyPr/>
           <a:lstStyle/>
           <a:p>
-            <a:fld id="{C7917FAA-8CD0-4526-806F-2C631692D5E1}" type="slidenum">
+            <a:fld id="{4D38CA3E-35E8-4FC1-8684-BBC383E7CF09}" type="slidenum">
               <a:rPr lang="cs-CZ" smtClean="0"/>
               <a:t>‹#›</a:t>
             </a:fld>
@@ -1362,7 +927,7 @@
     </p:spTree>
     <p:extLst>
       <p:ext uri="{BB962C8B-B14F-4D97-AF65-F5344CB8AC3E}">
-        <p14:creationId xmlns:p14="http://schemas.microsoft.com/office/powerpoint/2010/main" val="3636110671"/>
+        <p14:creationId xmlns:p14="http://schemas.microsoft.com/office/powerpoint/2010/main" val="2390063420"/>
       </p:ext>
     </p:extLst>
   </p:cSld>
@@ -1394,7 +959,7 @@
           <p:cNvPr id="2" name="Nadpis 1">
             <a:extLst>
               <a:ext uri="{FF2B5EF4-FFF2-40B4-BE49-F238E27FC236}">
-                <a16:creationId xmlns:a16="http://schemas.microsoft.com/office/drawing/2014/main" id="{71A21E42-D776-A583-F4C8-8CEF806F8ACD}"/>
+                <a16:creationId xmlns:a16="http://schemas.microsoft.com/office/drawing/2014/main" id="{FD2A3197-4125-BD42-EB9F-88605827D1CE}"/>
               </a:ext>
             </a:extLst>
           </p:cNvPr>
@@ -1431,7 +996,7 @@
           <p:cNvPr id="3" name="Zástupný text 2">
             <a:extLst>
               <a:ext uri="{FF2B5EF4-FFF2-40B4-BE49-F238E27FC236}">
-                <a16:creationId xmlns:a16="http://schemas.microsoft.com/office/drawing/2014/main" id="{17A97F5E-E3EE-A8AA-A8C2-464068508A5C}"/>
+                <a16:creationId xmlns:a16="http://schemas.microsoft.com/office/drawing/2014/main" id="{2C18532E-36AA-EE2B-9022-A06CA5A6CAC8}"/>
               </a:ext>
             </a:extLst>
           </p:cNvPr>
@@ -1556,7 +1121,7 @@
           <p:cNvPr id="4" name="Zástupný symbol pro datum 3">
             <a:extLst>
               <a:ext uri="{FF2B5EF4-FFF2-40B4-BE49-F238E27FC236}">
-                <a16:creationId xmlns:a16="http://schemas.microsoft.com/office/drawing/2014/main" id="{0AEE9148-2D99-5A0C-EA38-711B22ADB8C0}"/>
+                <a16:creationId xmlns:a16="http://schemas.microsoft.com/office/drawing/2014/main" id="{07A76254-A9F6-DE51-E96A-47007D7C3593}"/>
               </a:ext>
             </a:extLst>
           </p:cNvPr>
@@ -1572,9 +1137,9 @@
           <a:bodyPr/>
           <a:lstStyle/>
           <a:p>
-            <a:fld id="{7CEA52BF-4122-493B-9D51-01947619CD0A}" type="datetimeFigureOut">
+            <a:fld id="{457B2074-8ED1-41B1-91EC-1631752BEE54}" type="datetimeFigureOut">
               <a:rPr lang="cs-CZ" smtClean="0"/>
-              <a:t>04.11.2024</a:t>
+              <a:t>07.11.2024</a:t>
             </a:fld>
             <a:endParaRPr lang="cs-CZ"/>
           </a:p>
@@ -1585,7 +1150,7 @@
           <p:cNvPr id="5" name="Zástupný symbol pro zápatí 4">
             <a:extLst>
               <a:ext uri="{FF2B5EF4-FFF2-40B4-BE49-F238E27FC236}">
-                <a16:creationId xmlns:a16="http://schemas.microsoft.com/office/drawing/2014/main" id="{BB82D1E1-B146-5909-F2A5-96538D297CE9}"/>
+                <a16:creationId xmlns:a16="http://schemas.microsoft.com/office/drawing/2014/main" id="{4C082A62-B75E-C376-FE0E-5F46D8FEECC5}"/>
               </a:ext>
             </a:extLst>
           </p:cNvPr>
@@ -1610,7 +1175,7 @@
           <p:cNvPr id="6" name="Zástupný symbol pro číslo snímku 5">
             <a:extLst>
               <a:ext uri="{FF2B5EF4-FFF2-40B4-BE49-F238E27FC236}">
-                <a16:creationId xmlns:a16="http://schemas.microsoft.com/office/drawing/2014/main" id="{B4BC2834-A087-5235-CBAC-A3C699DBBB42}"/>
+                <a16:creationId xmlns:a16="http://schemas.microsoft.com/office/drawing/2014/main" id="{068F0731-9749-09AC-ABAC-6E3028054E0D}"/>
               </a:ext>
             </a:extLst>
           </p:cNvPr>
@@ -1626,7 +1191,7 @@
           <a:bodyPr/>
           <a:lstStyle/>
           <a:p>
-            <a:fld id="{C7917FAA-8CD0-4526-806F-2C631692D5E1}" type="slidenum">
+            <a:fld id="{4D38CA3E-35E8-4FC1-8684-BBC383E7CF09}" type="slidenum">
               <a:rPr lang="cs-CZ" smtClean="0"/>
               <a:t>‹#›</a:t>
             </a:fld>
@@ -1637,7 +1202,7 @@
     </p:spTree>
     <p:extLst>
       <p:ext uri="{BB962C8B-B14F-4D97-AF65-F5344CB8AC3E}">
-        <p14:creationId xmlns:p14="http://schemas.microsoft.com/office/powerpoint/2010/main" val="2748242012"/>
+        <p14:creationId xmlns:p14="http://schemas.microsoft.com/office/powerpoint/2010/main" val="3151950925"/>
       </p:ext>
     </p:extLst>
   </p:cSld>
@@ -1669,7 +1234,7 @@
           <p:cNvPr id="2" name="Nadpis 1">
             <a:extLst>
               <a:ext uri="{FF2B5EF4-FFF2-40B4-BE49-F238E27FC236}">
-                <a16:creationId xmlns:a16="http://schemas.microsoft.com/office/drawing/2014/main" id="{083FBAB7-7744-9F02-6C10-EF9611B4B04B}"/>
+                <a16:creationId xmlns:a16="http://schemas.microsoft.com/office/drawing/2014/main" id="{2E43D346-2332-CB44-6773-6E420A3DDB71}"/>
               </a:ext>
             </a:extLst>
           </p:cNvPr>
@@ -1697,7 +1262,7 @@
           <p:cNvPr id="3" name="Zástupný obsah 2">
             <a:extLst>
               <a:ext uri="{FF2B5EF4-FFF2-40B4-BE49-F238E27FC236}">
-                <a16:creationId xmlns:a16="http://schemas.microsoft.com/office/drawing/2014/main" id="{F6018A60-23ED-D388-542B-5C703E3B6068}"/>
+                <a16:creationId xmlns:a16="http://schemas.microsoft.com/office/drawing/2014/main" id="{7FD89A79-7091-AF8B-E59F-6787E2907DC3}"/>
               </a:ext>
             </a:extLst>
           </p:cNvPr>
@@ -1759,7 +1324,7 @@
           <p:cNvPr id="4" name="Zástupný obsah 3">
             <a:extLst>
               <a:ext uri="{FF2B5EF4-FFF2-40B4-BE49-F238E27FC236}">
-                <a16:creationId xmlns:a16="http://schemas.microsoft.com/office/drawing/2014/main" id="{395EB7F2-C6BA-2D04-7D77-017A5B788673}"/>
+                <a16:creationId xmlns:a16="http://schemas.microsoft.com/office/drawing/2014/main" id="{9F7AA562-C961-1989-E7A8-16DD75325B6B}"/>
               </a:ext>
             </a:extLst>
           </p:cNvPr>
@@ -1821,7 +1386,7 @@
           <p:cNvPr id="5" name="Zástupný symbol pro datum 4">
             <a:extLst>
               <a:ext uri="{FF2B5EF4-FFF2-40B4-BE49-F238E27FC236}">
-                <a16:creationId xmlns:a16="http://schemas.microsoft.com/office/drawing/2014/main" id="{E1627907-06C3-ECBC-CBD8-96574B7F2757}"/>
+                <a16:creationId xmlns:a16="http://schemas.microsoft.com/office/drawing/2014/main" id="{8E3F929E-F779-A7BA-4418-E67DF6AFFDC0}"/>
               </a:ext>
             </a:extLst>
           </p:cNvPr>
@@ -1837,9 +1402,9 @@
           <a:bodyPr/>
           <a:lstStyle/>
           <a:p>
-            <a:fld id="{7CEA52BF-4122-493B-9D51-01947619CD0A}" type="datetimeFigureOut">
+            <a:fld id="{457B2074-8ED1-41B1-91EC-1631752BEE54}" type="datetimeFigureOut">
               <a:rPr lang="cs-CZ" smtClean="0"/>
-              <a:t>04.11.2024</a:t>
+              <a:t>07.11.2024</a:t>
             </a:fld>
             <a:endParaRPr lang="cs-CZ"/>
           </a:p>
@@ -1850,7 +1415,7 @@
           <p:cNvPr id="6" name="Zástupný symbol pro zápatí 5">
             <a:extLst>
               <a:ext uri="{FF2B5EF4-FFF2-40B4-BE49-F238E27FC236}">
-                <a16:creationId xmlns:a16="http://schemas.microsoft.com/office/drawing/2014/main" id="{2C2E866A-D429-70B6-795E-FFC1DBAD6595}"/>
+                <a16:creationId xmlns:a16="http://schemas.microsoft.com/office/drawing/2014/main" id="{72D08D62-BD80-2972-2DD1-9B8C031ACDCD}"/>
               </a:ext>
             </a:extLst>
           </p:cNvPr>
@@ -1875,7 +1440,7 @@
           <p:cNvPr id="7" name="Zástupný symbol pro číslo snímku 6">
             <a:extLst>
               <a:ext uri="{FF2B5EF4-FFF2-40B4-BE49-F238E27FC236}">
-                <a16:creationId xmlns:a16="http://schemas.microsoft.com/office/drawing/2014/main" id="{CF51E03B-C633-45A0-B0C0-76D4E014C484}"/>
+                <a16:creationId xmlns:a16="http://schemas.microsoft.com/office/drawing/2014/main" id="{427EB005-D4CB-D510-D6B5-C5E8663765DD}"/>
               </a:ext>
             </a:extLst>
           </p:cNvPr>
@@ -1891,7 +1456,7 @@
           <a:bodyPr/>
           <a:lstStyle/>
           <a:p>
-            <a:fld id="{C7917FAA-8CD0-4526-806F-2C631692D5E1}" type="slidenum">
+            <a:fld id="{4D38CA3E-35E8-4FC1-8684-BBC383E7CF09}" type="slidenum">
               <a:rPr lang="cs-CZ" smtClean="0"/>
               <a:t>‹#›</a:t>
             </a:fld>
@@ -1902,7 +1467,7 @@
     </p:spTree>
     <p:extLst>
       <p:ext uri="{BB962C8B-B14F-4D97-AF65-F5344CB8AC3E}">
-        <p14:creationId xmlns:p14="http://schemas.microsoft.com/office/powerpoint/2010/main" val="165567525"/>
+        <p14:creationId xmlns:p14="http://schemas.microsoft.com/office/powerpoint/2010/main" val="3091762747"/>
       </p:ext>
     </p:extLst>
   </p:cSld>
@@ -1934,7 +1499,7 @@
           <p:cNvPr id="2" name="Nadpis 1">
             <a:extLst>
               <a:ext uri="{FF2B5EF4-FFF2-40B4-BE49-F238E27FC236}">
-                <a16:creationId xmlns:a16="http://schemas.microsoft.com/office/drawing/2014/main" id="{723B0EF0-7DCD-1C5C-B808-A49E536B6210}"/>
+                <a16:creationId xmlns:a16="http://schemas.microsoft.com/office/drawing/2014/main" id="{B473C8C6-31C2-7127-739C-ED5F6F487819}"/>
               </a:ext>
             </a:extLst>
           </p:cNvPr>
@@ -1967,7 +1532,7 @@
           <p:cNvPr id="3" name="Zástupný text 2">
             <a:extLst>
               <a:ext uri="{FF2B5EF4-FFF2-40B4-BE49-F238E27FC236}">
-                <a16:creationId xmlns:a16="http://schemas.microsoft.com/office/drawing/2014/main" id="{3DA351F9-189E-8E8F-D52D-41989498ABAB}"/>
+                <a16:creationId xmlns:a16="http://schemas.microsoft.com/office/drawing/2014/main" id="{7317EECF-A535-E8B9-382D-2523CCC5D453}"/>
               </a:ext>
             </a:extLst>
           </p:cNvPr>
@@ -2038,7 +1603,7 @@
           <p:cNvPr id="4" name="Zástupný obsah 3">
             <a:extLst>
               <a:ext uri="{FF2B5EF4-FFF2-40B4-BE49-F238E27FC236}">
-                <a16:creationId xmlns:a16="http://schemas.microsoft.com/office/drawing/2014/main" id="{2C4F17A7-8EC3-9B56-D709-57320A302749}"/>
+                <a16:creationId xmlns:a16="http://schemas.microsoft.com/office/drawing/2014/main" id="{35055A8A-147C-3ED4-12EC-BBC4F9A691DB}"/>
               </a:ext>
             </a:extLst>
           </p:cNvPr>
@@ -2100,7 +1665,7 @@
           <p:cNvPr id="5" name="Zástupný text 4">
             <a:extLst>
               <a:ext uri="{FF2B5EF4-FFF2-40B4-BE49-F238E27FC236}">
-                <a16:creationId xmlns:a16="http://schemas.microsoft.com/office/drawing/2014/main" id="{4166A60B-AC55-2226-AFA1-95370D914F96}"/>
+                <a16:creationId xmlns:a16="http://schemas.microsoft.com/office/drawing/2014/main" id="{242EA2AC-E8ED-A94E-1345-A331467EF056}"/>
               </a:ext>
             </a:extLst>
           </p:cNvPr>
@@ -2171,7 +1736,7 @@
           <p:cNvPr id="6" name="Zástupný obsah 5">
             <a:extLst>
               <a:ext uri="{FF2B5EF4-FFF2-40B4-BE49-F238E27FC236}">
-                <a16:creationId xmlns:a16="http://schemas.microsoft.com/office/drawing/2014/main" id="{85137F63-423F-AE73-6783-216F330ACBC2}"/>
+                <a16:creationId xmlns:a16="http://schemas.microsoft.com/office/drawing/2014/main" id="{5B23750A-230C-3823-64C2-979B632587DC}"/>
               </a:ext>
             </a:extLst>
           </p:cNvPr>
@@ -2233,7 +1798,7 @@
           <p:cNvPr id="7" name="Zástupný symbol pro datum 6">
             <a:extLst>
               <a:ext uri="{FF2B5EF4-FFF2-40B4-BE49-F238E27FC236}">
-                <a16:creationId xmlns:a16="http://schemas.microsoft.com/office/drawing/2014/main" id="{22DAD189-E9E5-A5FF-219F-F80BF30A88B1}"/>
+                <a16:creationId xmlns:a16="http://schemas.microsoft.com/office/drawing/2014/main" id="{8D396F23-3076-940E-2D79-B6449A140287}"/>
               </a:ext>
             </a:extLst>
           </p:cNvPr>
@@ -2249,9 +1814,9 @@
           <a:bodyPr/>
           <a:lstStyle/>
           <a:p>
-            <a:fld id="{7CEA52BF-4122-493B-9D51-01947619CD0A}" type="datetimeFigureOut">
+            <a:fld id="{457B2074-8ED1-41B1-91EC-1631752BEE54}" type="datetimeFigureOut">
               <a:rPr lang="cs-CZ" smtClean="0"/>
-              <a:t>04.11.2024</a:t>
+              <a:t>07.11.2024</a:t>
             </a:fld>
             <a:endParaRPr lang="cs-CZ"/>
           </a:p>
@@ -2262,7 +1827,7 @@
           <p:cNvPr id="8" name="Zástupný symbol pro zápatí 7">
             <a:extLst>
               <a:ext uri="{FF2B5EF4-FFF2-40B4-BE49-F238E27FC236}">
-                <a16:creationId xmlns:a16="http://schemas.microsoft.com/office/drawing/2014/main" id="{14958518-D6B4-84A8-8840-0BC2EC464AD5}"/>
+                <a16:creationId xmlns:a16="http://schemas.microsoft.com/office/drawing/2014/main" id="{ABA3BDA3-F953-5612-3A12-4F4868646F6D}"/>
               </a:ext>
             </a:extLst>
           </p:cNvPr>
@@ -2287,7 +1852,7 @@
           <p:cNvPr id="9" name="Zástupný symbol pro číslo snímku 8">
             <a:extLst>
               <a:ext uri="{FF2B5EF4-FFF2-40B4-BE49-F238E27FC236}">
-                <a16:creationId xmlns:a16="http://schemas.microsoft.com/office/drawing/2014/main" id="{2D52E3A5-7CE5-2A74-EC31-2278E16C8D32}"/>
+                <a16:creationId xmlns:a16="http://schemas.microsoft.com/office/drawing/2014/main" id="{57872D03-6A2C-E818-C15D-71E997AF4083}"/>
               </a:ext>
             </a:extLst>
           </p:cNvPr>
@@ -2303,7 +1868,7 @@
           <a:bodyPr/>
           <a:lstStyle/>
           <a:p>
-            <a:fld id="{C7917FAA-8CD0-4526-806F-2C631692D5E1}" type="slidenum">
+            <a:fld id="{4D38CA3E-35E8-4FC1-8684-BBC383E7CF09}" type="slidenum">
               <a:rPr lang="cs-CZ" smtClean="0"/>
               <a:t>‹#›</a:t>
             </a:fld>
@@ -2314,7 +1879,7 @@
     </p:spTree>
     <p:extLst>
       <p:ext uri="{BB962C8B-B14F-4D97-AF65-F5344CB8AC3E}">
-        <p14:creationId xmlns:p14="http://schemas.microsoft.com/office/powerpoint/2010/main" val="1689253782"/>
+        <p14:creationId xmlns:p14="http://schemas.microsoft.com/office/powerpoint/2010/main" val="589361749"/>
       </p:ext>
     </p:extLst>
   </p:cSld>
@@ -2346,7 +1911,7 @@
           <p:cNvPr id="2" name="Nadpis 1">
             <a:extLst>
               <a:ext uri="{FF2B5EF4-FFF2-40B4-BE49-F238E27FC236}">
-                <a16:creationId xmlns:a16="http://schemas.microsoft.com/office/drawing/2014/main" id="{A0FA5907-791B-48FC-C7F4-0AC7E0344DC1}"/>
+                <a16:creationId xmlns:a16="http://schemas.microsoft.com/office/drawing/2014/main" id="{B6DD6CBB-5942-E7A9-6DFB-2B732A92ACEC}"/>
               </a:ext>
             </a:extLst>
           </p:cNvPr>
@@ -2374,7 +1939,7 @@
           <p:cNvPr id="3" name="Zástupný symbol pro datum 2">
             <a:extLst>
               <a:ext uri="{FF2B5EF4-FFF2-40B4-BE49-F238E27FC236}">
-                <a16:creationId xmlns:a16="http://schemas.microsoft.com/office/drawing/2014/main" id="{1A8F81C7-3154-4A14-66F0-E2EC38D1277F}"/>
+                <a16:creationId xmlns:a16="http://schemas.microsoft.com/office/drawing/2014/main" id="{87EB9F4B-1C73-DF30-AC17-6512FF2753F8}"/>
               </a:ext>
             </a:extLst>
           </p:cNvPr>
@@ -2390,9 +1955,9 @@
           <a:bodyPr/>
           <a:lstStyle/>
           <a:p>
-            <a:fld id="{7CEA52BF-4122-493B-9D51-01947619CD0A}" type="datetimeFigureOut">
+            <a:fld id="{457B2074-8ED1-41B1-91EC-1631752BEE54}" type="datetimeFigureOut">
               <a:rPr lang="cs-CZ" smtClean="0"/>
-              <a:t>04.11.2024</a:t>
+              <a:t>07.11.2024</a:t>
             </a:fld>
             <a:endParaRPr lang="cs-CZ"/>
           </a:p>
@@ -2403,7 +1968,7 @@
           <p:cNvPr id="4" name="Zástupný symbol pro zápatí 3">
             <a:extLst>
               <a:ext uri="{FF2B5EF4-FFF2-40B4-BE49-F238E27FC236}">
-                <a16:creationId xmlns:a16="http://schemas.microsoft.com/office/drawing/2014/main" id="{2155F79E-277D-B718-BF59-DBD2F0B28A8E}"/>
+                <a16:creationId xmlns:a16="http://schemas.microsoft.com/office/drawing/2014/main" id="{C7E322B6-5713-1F4D-AC39-2E4347CB8D69}"/>
               </a:ext>
             </a:extLst>
           </p:cNvPr>
@@ -2428,7 +1993,7 @@
           <p:cNvPr id="5" name="Zástupný symbol pro číslo snímku 4">
             <a:extLst>
               <a:ext uri="{FF2B5EF4-FFF2-40B4-BE49-F238E27FC236}">
-                <a16:creationId xmlns:a16="http://schemas.microsoft.com/office/drawing/2014/main" id="{BD4BE904-79E7-D683-C87B-6884ECC4AF6F}"/>
+                <a16:creationId xmlns:a16="http://schemas.microsoft.com/office/drawing/2014/main" id="{D6ED31E5-652A-F058-E88C-9C014C28AB90}"/>
               </a:ext>
             </a:extLst>
           </p:cNvPr>
@@ -2444,7 +2009,7 @@
           <a:bodyPr/>
           <a:lstStyle/>
           <a:p>
-            <a:fld id="{C7917FAA-8CD0-4526-806F-2C631692D5E1}" type="slidenum">
+            <a:fld id="{4D38CA3E-35E8-4FC1-8684-BBC383E7CF09}" type="slidenum">
               <a:rPr lang="cs-CZ" smtClean="0"/>
               <a:t>‹#›</a:t>
             </a:fld>
@@ -2455,7 +2020,7 @@
     </p:spTree>
     <p:extLst>
       <p:ext uri="{BB962C8B-B14F-4D97-AF65-F5344CB8AC3E}">
-        <p14:creationId xmlns:p14="http://schemas.microsoft.com/office/powerpoint/2010/main" val="1267190459"/>
+        <p14:creationId xmlns:p14="http://schemas.microsoft.com/office/powerpoint/2010/main" val="2687418442"/>
       </p:ext>
     </p:extLst>
   </p:cSld>
@@ -2487,7 +2052,7 @@
           <p:cNvPr id="2" name="Zástupný symbol pro datum 1">
             <a:extLst>
               <a:ext uri="{FF2B5EF4-FFF2-40B4-BE49-F238E27FC236}">
-                <a16:creationId xmlns:a16="http://schemas.microsoft.com/office/drawing/2014/main" id="{C114C2F6-003C-D085-2B4C-53F32A63F516}"/>
+                <a16:creationId xmlns:a16="http://schemas.microsoft.com/office/drawing/2014/main" id="{034D6863-C91E-9BFB-32AE-3073904096CF}"/>
               </a:ext>
             </a:extLst>
           </p:cNvPr>
@@ -2503,9 +2068,9 @@
           <a:bodyPr/>
           <a:lstStyle/>
           <a:p>
-            <a:fld id="{7CEA52BF-4122-493B-9D51-01947619CD0A}" type="datetimeFigureOut">
+            <a:fld id="{457B2074-8ED1-41B1-91EC-1631752BEE54}" type="datetimeFigureOut">
               <a:rPr lang="cs-CZ" smtClean="0"/>
-              <a:t>04.11.2024</a:t>
+              <a:t>07.11.2024</a:t>
             </a:fld>
             <a:endParaRPr lang="cs-CZ"/>
           </a:p>
@@ -2516,7 +2081,7 @@
           <p:cNvPr id="3" name="Zástupný symbol pro zápatí 2">
             <a:extLst>
               <a:ext uri="{FF2B5EF4-FFF2-40B4-BE49-F238E27FC236}">
-                <a16:creationId xmlns:a16="http://schemas.microsoft.com/office/drawing/2014/main" id="{33A69B5E-8233-AFEA-4405-E224559E9795}"/>
+                <a16:creationId xmlns:a16="http://schemas.microsoft.com/office/drawing/2014/main" id="{963461C0-FB64-3E0F-E3DF-1DB4B7F6A349}"/>
               </a:ext>
             </a:extLst>
           </p:cNvPr>
@@ -2541,7 +2106,7 @@
           <p:cNvPr id="4" name="Zástupný symbol pro číslo snímku 3">
             <a:extLst>
               <a:ext uri="{FF2B5EF4-FFF2-40B4-BE49-F238E27FC236}">
-                <a16:creationId xmlns:a16="http://schemas.microsoft.com/office/drawing/2014/main" id="{C51AE60C-A70D-B744-C084-119233FCE011}"/>
+                <a16:creationId xmlns:a16="http://schemas.microsoft.com/office/drawing/2014/main" id="{62B9EDB8-5834-764C-746B-10D5E1477A55}"/>
               </a:ext>
             </a:extLst>
           </p:cNvPr>
@@ -2557,7 +2122,7 @@
           <a:bodyPr/>
           <a:lstStyle/>
           <a:p>
-            <a:fld id="{C7917FAA-8CD0-4526-806F-2C631692D5E1}" type="slidenum">
+            <a:fld id="{4D38CA3E-35E8-4FC1-8684-BBC383E7CF09}" type="slidenum">
               <a:rPr lang="cs-CZ" smtClean="0"/>
               <a:t>‹#›</a:t>
             </a:fld>
@@ -2568,7 +2133,7 @@
     </p:spTree>
     <p:extLst>
       <p:ext uri="{BB962C8B-B14F-4D97-AF65-F5344CB8AC3E}">
-        <p14:creationId xmlns:p14="http://schemas.microsoft.com/office/powerpoint/2010/main" val="1892074970"/>
+        <p14:creationId xmlns:p14="http://schemas.microsoft.com/office/powerpoint/2010/main" val="3313058256"/>
       </p:ext>
     </p:extLst>
   </p:cSld>
@@ -2600,7 +2165,7 @@
           <p:cNvPr id="2" name="Nadpis 1">
             <a:extLst>
               <a:ext uri="{FF2B5EF4-FFF2-40B4-BE49-F238E27FC236}">
-                <a16:creationId xmlns:a16="http://schemas.microsoft.com/office/drawing/2014/main" id="{BCB89914-70D3-FB4F-20D7-06BC2F7934D6}"/>
+                <a16:creationId xmlns:a16="http://schemas.microsoft.com/office/drawing/2014/main" id="{92BD451B-AE19-324C-79A8-927B49004A1F}"/>
               </a:ext>
             </a:extLst>
           </p:cNvPr>
@@ -2637,7 +2202,7 @@
           <p:cNvPr id="3" name="Zástupný obsah 2">
             <a:extLst>
               <a:ext uri="{FF2B5EF4-FFF2-40B4-BE49-F238E27FC236}">
-                <a16:creationId xmlns:a16="http://schemas.microsoft.com/office/drawing/2014/main" id="{282598F8-6950-09F9-3FEC-B59BD1E6EF1B}"/>
+                <a16:creationId xmlns:a16="http://schemas.microsoft.com/office/drawing/2014/main" id="{3854BC01-24BD-1323-C06D-3626A42A5B60}"/>
               </a:ext>
             </a:extLst>
           </p:cNvPr>
@@ -2727,7 +2292,7 @@
           <p:cNvPr id="4" name="Zástupný text 3">
             <a:extLst>
               <a:ext uri="{FF2B5EF4-FFF2-40B4-BE49-F238E27FC236}">
-                <a16:creationId xmlns:a16="http://schemas.microsoft.com/office/drawing/2014/main" id="{970417D8-E4AE-EE21-DFC6-2A781EC89C75}"/>
+                <a16:creationId xmlns:a16="http://schemas.microsoft.com/office/drawing/2014/main" id="{4A15EA73-1D25-1226-1D25-35C9A3F3B8B6}"/>
               </a:ext>
             </a:extLst>
           </p:cNvPr>
@@ -2798,7 +2363,7 @@
           <p:cNvPr id="5" name="Zástupný symbol pro datum 4">
             <a:extLst>
               <a:ext uri="{FF2B5EF4-FFF2-40B4-BE49-F238E27FC236}">
-                <a16:creationId xmlns:a16="http://schemas.microsoft.com/office/drawing/2014/main" id="{3352C1FF-9586-ED12-5A85-062E7E7E7859}"/>
+                <a16:creationId xmlns:a16="http://schemas.microsoft.com/office/drawing/2014/main" id="{4C20D09C-5362-91E9-F641-1988E19B6BA1}"/>
               </a:ext>
             </a:extLst>
           </p:cNvPr>
@@ -2814,9 +2379,9 @@
           <a:bodyPr/>
           <a:lstStyle/>
           <a:p>
-            <a:fld id="{7CEA52BF-4122-493B-9D51-01947619CD0A}" type="datetimeFigureOut">
+            <a:fld id="{457B2074-8ED1-41B1-91EC-1631752BEE54}" type="datetimeFigureOut">
               <a:rPr lang="cs-CZ" smtClean="0"/>
-              <a:t>04.11.2024</a:t>
+              <a:t>07.11.2024</a:t>
             </a:fld>
             <a:endParaRPr lang="cs-CZ"/>
           </a:p>
@@ -2827,7 +2392,7 @@
           <p:cNvPr id="6" name="Zástupný symbol pro zápatí 5">
             <a:extLst>
               <a:ext uri="{FF2B5EF4-FFF2-40B4-BE49-F238E27FC236}">
-                <a16:creationId xmlns:a16="http://schemas.microsoft.com/office/drawing/2014/main" id="{3F441BE3-1301-53F2-77AA-FE33E5417859}"/>
+                <a16:creationId xmlns:a16="http://schemas.microsoft.com/office/drawing/2014/main" id="{D8DEB077-C049-0598-208E-47F364962472}"/>
               </a:ext>
             </a:extLst>
           </p:cNvPr>
@@ -2852,7 +2417,7 @@
           <p:cNvPr id="7" name="Zástupný symbol pro číslo snímku 6">
             <a:extLst>
               <a:ext uri="{FF2B5EF4-FFF2-40B4-BE49-F238E27FC236}">
-                <a16:creationId xmlns:a16="http://schemas.microsoft.com/office/drawing/2014/main" id="{2FCE12F6-D98D-D4BF-A345-5DDDDF1BEB24}"/>
+                <a16:creationId xmlns:a16="http://schemas.microsoft.com/office/drawing/2014/main" id="{5094A18E-16E4-1607-E142-4BC466E92B31}"/>
               </a:ext>
             </a:extLst>
           </p:cNvPr>
@@ -2868,7 +2433,7 @@
           <a:bodyPr/>
           <a:lstStyle/>
           <a:p>
-            <a:fld id="{C7917FAA-8CD0-4526-806F-2C631692D5E1}" type="slidenum">
+            <a:fld id="{4D38CA3E-35E8-4FC1-8684-BBC383E7CF09}" type="slidenum">
               <a:rPr lang="cs-CZ" smtClean="0"/>
               <a:t>‹#›</a:t>
             </a:fld>
@@ -2879,7 +2444,7 @@
     </p:spTree>
     <p:extLst>
       <p:ext uri="{BB962C8B-B14F-4D97-AF65-F5344CB8AC3E}">
-        <p14:creationId xmlns:p14="http://schemas.microsoft.com/office/powerpoint/2010/main" val="1550593042"/>
+        <p14:creationId xmlns:p14="http://schemas.microsoft.com/office/powerpoint/2010/main" val="3708650125"/>
       </p:ext>
     </p:extLst>
   </p:cSld>
@@ -2911,7 +2476,7 @@
           <p:cNvPr id="2" name="Nadpis 1">
             <a:extLst>
               <a:ext uri="{FF2B5EF4-FFF2-40B4-BE49-F238E27FC236}">
-                <a16:creationId xmlns:a16="http://schemas.microsoft.com/office/drawing/2014/main" id="{4BBB649B-6252-1751-83B0-82DFC16E2F2D}"/>
+                <a16:creationId xmlns:a16="http://schemas.microsoft.com/office/drawing/2014/main" id="{5EA2B5A2-9C5E-6B87-0C47-B1AF07B66C7F}"/>
               </a:ext>
             </a:extLst>
           </p:cNvPr>
@@ -2948,7 +2513,7 @@
           <p:cNvPr id="3" name="Zástupný symbol obrázku 2">
             <a:extLst>
               <a:ext uri="{FF2B5EF4-FFF2-40B4-BE49-F238E27FC236}">
-                <a16:creationId xmlns:a16="http://schemas.microsoft.com/office/drawing/2014/main" id="{3BE6F968-DA5B-6C9A-EC90-DFAA0AD44046}"/>
+                <a16:creationId xmlns:a16="http://schemas.microsoft.com/office/drawing/2014/main" id="{89BDB27E-3C2C-4834-6671-3EB9D0D1A647}"/>
               </a:ext>
             </a:extLst>
           </p:cNvPr>
@@ -3015,7 +2580,7 @@
           <p:cNvPr id="4" name="Zástupný text 3">
             <a:extLst>
               <a:ext uri="{FF2B5EF4-FFF2-40B4-BE49-F238E27FC236}">
-                <a16:creationId xmlns:a16="http://schemas.microsoft.com/office/drawing/2014/main" id="{714612A6-2D64-7EDA-F9BC-FD0A927C9044}"/>
+                <a16:creationId xmlns:a16="http://schemas.microsoft.com/office/drawing/2014/main" id="{A872F656-0253-190F-F555-D1B401A53F76}"/>
               </a:ext>
             </a:extLst>
           </p:cNvPr>
@@ -3086,7 +2651,7 @@
           <p:cNvPr id="5" name="Zástupný symbol pro datum 4">
             <a:extLst>
               <a:ext uri="{FF2B5EF4-FFF2-40B4-BE49-F238E27FC236}">
-                <a16:creationId xmlns:a16="http://schemas.microsoft.com/office/drawing/2014/main" id="{5B23B98F-5544-10C1-5661-A9BEF5A495A1}"/>
+                <a16:creationId xmlns:a16="http://schemas.microsoft.com/office/drawing/2014/main" id="{7B87D95C-A05B-3F70-19EB-0740F0277990}"/>
               </a:ext>
             </a:extLst>
           </p:cNvPr>
@@ -3102,9 +2667,9 @@
           <a:bodyPr/>
           <a:lstStyle/>
           <a:p>
-            <a:fld id="{7CEA52BF-4122-493B-9D51-01947619CD0A}" type="datetimeFigureOut">
+            <a:fld id="{457B2074-8ED1-41B1-91EC-1631752BEE54}" type="datetimeFigureOut">
               <a:rPr lang="cs-CZ" smtClean="0"/>
-              <a:t>04.11.2024</a:t>
+              <a:t>07.11.2024</a:t>
             </a:fld>
             <a:endParaRPr lang="cs-CZ"/>
           </a:p>
@@ -3115,7 +2680,7 @@
           <p:cNvPr id="6" name="Zástupný symbol pro zápatí 5">
             <a:extLst>
               <a:ext uri="{FF2B5EF4-FFF2-40B4-BE49-F238E27FC236}">
-                <a16:creationId xmlns:a16="http://schemas.microsoft.com/office/drawing/2014/main" id="{2FB1B230-F88F-772D-6F68-8E84881521EE}"/>
+                <a16:creationId xmlns:a16="http://schemas.microsoft.com/office/drawing/2014/main" id="{3C4D23FD-300E-36A9-AB01-C45A858ACA57}"/>
               </a:ext>
             </a:extLst>
           </p:cNvPr>
@@ -3140,7 +2705,7 @@
           <p:cNvPr id="7" name="Zástupný symbol pro číslo snímku 6">
             <a:extLst>
               <a:ext uri="{FF2B5EF4-FFF2-40B4-BE49-F238E27FC236}">
-                <a16:creationId xmlns:a16="http://schemas.microsoft.com/office/drawing/2014/main" id="{22567DFD-6FC4-BEE9-ED09-58ADA1C39DC6}"/>
+                <a16:creationId xmlns:a16="http://schemas.microsoft.com/office/drawing/2014/main" id="{BBE6C3A1-2ACD-E8FF-1DF4-5AE58C4CAC4F}"/>
               </a:ext>
             </a:extLst>
           </p:cNvPr>
@@ -3156,7 +2721,7 @@
           <a:bodyPr/>
           <a:lstStyle/>
           <a:p>
-            <a:fld id="{C7917FAA-8CD0-4526-806F-2C631692D5E1}" type="slidenum">
+            <a:fld id="{4D38CA3E-35E8-4FC1-8684-BBC383E7CF09}" type="slidenum">
               <a:rPr lang="cs-CZ" smtClean="0"/>
               <a:t>‹#›</a:t>
             </a:fld>
@@ -3167,7 +2732,7 @@
     </p:spTree>
     <p:extLst>
       <p:ext uri="{BB962C8B-B14F-4D97-AF65-F5344CB8AC3E}">
-        <p14:creationId xmlns:p14="http://schemas.microsoft.com/office/powerpoint/2010/main" val="4285822530"/>
+        <p14:creationId xmlns:p14="http://schemas.microsoft.com/office/powerpoint/2010/main" val="1559434572"/>
       </p:ext>
     </p:extLst>
   </p:cSld>
@@ -3204,7 +2769,7 @@
           <p:cNvPr id="2" name="Zástupný nadpis 1">
             <a:extLst>
               <a:ext uri="{FF2B5EF4-FFF2-40B4-BE49-F238E27FC236}">
-                <a16:creationId xmlns:a16="http://schemas.microsoft.com/office/drawing/2014/main" id="{929BA83B-9922-278F-3AF8-2F7DC9AA5444}"/>
+                <a16:creationId xmlns:a16="http://schemas.microsoft.com/office/drawing/2014/main" id="{2D277F48-797A-D1D5-9194-3ED09C20D0F7}"/>
               </a:ext>
             </a:extLst>
           </p:cNvPr>
@@ -3242,7 +2807,7 @@
           <p:cNvPr id="3" name="Zástupný text 2">
             <a:extLst>
               <a:ext uri="{FF2B5EF4-FFF2-40B4-BE49-F238E27FC236}">
-                <a16:creationId xmlns:a16="http://schemas.microsoft.com/office/drawing/2014/main" id="{7829B599-C663-E11B-93D4-6E1CDD9F45BA}"/>
+                <a16:creationId xmlns:a16="http://schemas.microsoft.com/office/drawing/2014/main" id="{7B0934E7-E26D-D578-E126-196073A430E2}"/>
               </a:ext>
             </a:extLst>
           </p:cNvPr>
@@ -3309,7 +2874,7 @@
           <p:cNvPr id="4" name="Zástupný symbol pro datum 3">
             <a:extLst>
               <a:ext uri="{FF2B5EF4-FFF2-40B4-BE49-F238E27FC236}">
-                <a16:creationId xmlns:a16="http://schemas.microsoft.com/office/drawing/2014/main" id="{C3AE6DBF-30C4-8179-888F-8460C5D7C751}"/>
+                <a16:creationId xmlns:a16="http://schemas.microsoft.com/office/drawing/2014/main" id="{81E98D62-360C-8509-2D84-0C510790AB2B}"/>
               </a:ext>
             </a:extLst>
           </p:cNvPr>
@@ -3343,9 +2908,9 @@
             </a:lvl1pPr>
           </a:lstStyle>
           <a:p>
-            <a:fld id="{7CEA52BF-4122-493B-9D51-01947619CD0A}" type="datetimeFigureOut">
+            <a:fld id="{457B2074-8ED1-41B1-91EC-1631752BEE54}" type="datetimeFigureOut">
               <a:rPr lang="cs-CZ" smtClean="0"/>
-              <a:t>04.11.2024</a:t>
+              <a:t>07.11.2024</a:t>
             </a:fld>
             <a:endParaRPr lang="cs-CZ"/>
           </a:p>
@@ -3356,7 +2921,7 @@
           <p:cNvPr id="5" name="Zástupný symbol pro zápatí 4">
             <a:extLst>
               <a:ext uri="{FF2B5EF4-FFF2-40B4-BE49-F238E27FC236}">
-                <a16:creationId xmlns:a16="http://schemas.microsoft.com/office/drawing/2014/main" id="{3FDCC2CF-1CF0-360A-9347-D0C2FC7FF176}"/>
+                <a16:creationId xmlns:a16="http://schemas.microsoft.com/office/drawing/2014/main" id="{10CEF1A1-4083-BB20-3A80-AF0DE9E79519}"/>
               </a:ext>
             </a:extLst>
           </p:cNvPr>
@@ -3399,7 +2964,7 @@
           <p:cNvPr id="6" name="Zástupný symbol pro číslo snímku 5">
             <a:extLst>
               <a:ext uri="{FF2B5EF4-FFF2-40B4-BE49-F238E27FC236}">
-                <a16:creationId xmlns:a16="http://schemas.microsoft.com/office/drawing/2014/main" id="{761BA3DD-6AFC-09FF-6868-7412CA47E77B}"/>
+                <a16:creationId xmlns:a16="http://schemas.microsoft.com/office/drawing/2014/main" id="{277222FD-0692-DBE7-770D-224AC082B56F}"/>
               </a:ext>
             </a:extLst>
           </p:cNvPr>
@@ -3433,7 +2998,7 @@
             </a:lvl1pPr>
           </a:lstStyle>
           <a:p>
-            <a:fld id="{C7917FAA-8CD0-4526-806F-2C631692D5E1}" type="slidenum">
+            <a:fld id="{4D38CA3E-35E8-4FC1-8684-BBC383E7CF09}" type="slidenum">
               <a:rPr lang="cs-CZ" smtClean="0"/>
               <a:t>‹#›</a:t>
             </a:fld>
@@ -3444,7 +3009,7 @@
     </p:spTree>
     <p:extLst>
       <p:ext uri="{BB962C8B-B14F-4D97-AF65-F5344CB8AC3E}">
-        <p14:creationId xmlns:p14="http://schemas.microsoft.com/office/powerpoint/2010/main" val="534626128"/>
+        <p14:creationId xmlns:p14="http://schemas.microsoft.com/office/powerpoint/2010/main" val="1687706644"/>
       </p:ext>
     </p:extLst>
   </p:cSld>
@@ -3767,7 +3332,7 @@
           <p:cNvPr id="2" name="Nadpis 1">
             <a:extLst>
               <a:ext uri="{FF2B5EF4-FFF2-40B4-BE49-F238E27FC236}">
-                <a16:creationId xmlns:a16="http://schemas.microsoft.com/office/drawing/2014/main" id="{73DA6532-ED33-452B-25BF-DFF3BFE690B2}"/>
+                <a16:creationId xmlns:a16="http://schemas.microsoft.com/office/drawing/2014/main" id="{F1C6E992-DB98-50BC-609A-E6F8F749AAAF}"/>
               </a:ext>
             </a:extLst>
           </p:cNvPr>
@@ -3796,7 +3361,7 @@
           <p:cNvPr id="3" name="Podnadpis 2">
             <a:extLst>
               <a:ext uri="{FF2B5EF4-FFF2-40B4-BE49-F238E27FC236}">
-                <a16:creationId xmlns:a16="http://schemas.microsoft.com/office/drawing/2014/main" id="{16407AD3-4DE6-7F58-6EF9-59CE3138F668}"/>
+                <a16:creationId xmlns:a16="http://schemas.microsoft.com/office/drawing/2014/main" id="{B58C2B00-8906-49B4-1B73-A6BDE4FD6718}"/>
               </a:ext>
             </a:extLst>
           </p:cNvPr>
@@ -3822,7 +3387,7 @@
     </p:spTree>
     <p:extLst>
       <p:ext uri="{BB962C8B-B14F-4D97-AF65-F5344CB8AC3E}">
-        <p14:creationId xmlns:p14="http://schemas.microsoft.com/office/powerpoint/2010/main" val="510427423"/>
+        <p14:creationId xmlns:p14="http://schemas.microsoft.com/office/powerpoint/2010/main" val="468000369"/>
       </p:ext>
     </p:extLst>
   </p:cSld>
@@ -3854,7 +3419,7 @@
           <p:cNvPr id="2" name="Nadpis 1">
             <a:extLst>
               <a:ext uri="{FF2B5EF4-FFF2-40B4-BE49-F238E27FC236}">
-                <a16:creationId xmlns:a16="http://schemas.microsoft.com/office/drawing/2014/main" id="{FDB0B5D3-AF11-A955-D24F-A119E5C2A670}"/>
+                <a16:creationId xmlns:a16="http://schemas.microsoft.com/office/drawing/2014/main" id="{56F76665-ED6D-CBF9-6914-DC4511584897}"/>
               </a:ext>
             </a:extLst>
           </p:cNvPr>
@@ -3872,7 +3437,7 @@
           <a:p>
             <a:r>
               <a:rPr lang="cs-CZ" dirty="0"/>
-              <a:t>Projekt</a:t>
+              <a:t>Představení projektu</a:t>
             </a:r>
           </a:p>
         </p:txBody>
@@ -3882,7 +3447,7 @@
           <p:cNvPr id="3" name="Zástupný obsah 2">
             <a:extLst>
               <a:ext uri="{FF2B5EF4-FFF2-40B4-BE49-F238E27FC236}">
-                <a16:creationId xmlns:a16="http://schemas.microsoft.com/office/drawing/2014/main" id="{6F79364A-AF8A-DB57-B757-B962CC825064}"/>
+                <a16:creationId xmlns:a16="http://schemas.microsoft.com/office/drawing/2014/main" id="{E6E8A13D-D763-2B34-92AD-F1F696A07C27}"/>
               </a:ext>
             </a:extLst>
           </p:cNvPr>
@@ -3898,13 +3463,17 @@
           <a:bodyPr/>
           <a:lstStyle/>
           <a:p>
+            <a:r>
+              <a:rPr lang="cs-CZ" dirty="0"/>
+              <a:t>O hře: </a:t>
+            </a:r>
             <a:r>
               <a:rPr lang="cs-CZ" dirty="0" err="1"/>
               <a:t>MoonKour</a:t>
             </a:r>
             <a:r>
               <a:rPr lang="cs-CZ" dirty="0"/>
-              <a:t> je jedinečná </a:t>
+              <a:t> je </a:t>
             </a:r>
             <a:r>
               <a:rPr lang="cs-CZ" dirty="0" err="1"/>
@@ -3912,19 +3481,16 @@
             </a:r>
             <a:r>
               <a:rPr lang="cs-CZ" dirty="0"/>
-              <a:t> hra nacházející se v měsíčních jeskyní. Hráč musí pomocí svých pohybových schopností překonávat překážky a dostat se na povrch Měsíce</a:t>
+              <a:t> hra, kde hráč začíná v hlubinách měsíčních jeskyní a musí překonávat překážky, aby se dostal na povrch.</a:t>
             </a:r>
           </a:p>
           <a:p>
             <a:endParaRPr lang="cs-CZ" dirty="0"/>
           </a:p>
           <a:p>
-            <a:endParaRPr lang="cs-CZ" dirty="0"/>
-          </a:p>
-          <a:p>
             <a:r>
               <a:rPr lang="cs-CZ" dirty="0"/>
-              <a:t>Hráč prozkoumává tajemná prostředí a překonává výzvy, které využívají nízkou gravitaci Měsíce.</a:t>
+              <a:t>Herní zážitek: Hra je založena na prozkoumávání tajemného prostředí Měsíce a překonávání náročných výzev, které využívají nízkou gravitaci.</a:t>
             </a:r>
           </a:p>
         </p:txBody>
@@ -3932,7 +3498,7 @@
     </p:spTree>
     <p:extLst>
       <p:ext uri="{BB962C8B-B14F-4D97-AF65-F5344CB8AC3E}">
-        <p14:creationId xmlns:p14="http://schemas.microsoft.com/office/powerpoint/2010/main" val="3309058605"/>
+        <p14:creationId xmlns:p14="http://schemas.microsoft.com/office/powerpoint/2010/main" val="551790514"/>
       </p:ext>
     </p:extLst>
   </p:cSld>
@@ -3964,7 +3530,7 @@
           <p:cNvPr id="2" name="Nadpis 1">
             <a:extLst>
               <a:ext uri="{FF2B5EF4-FFF2-40B4-BE49-F238E27FC236}">
-                <a16:creationId xmlns:a16="http://schemas.microsoft.com/office/drawing/2014/main" id="{237E1F5B-6362-6EED-BDC5-48DB36CB4EAF}"/>
+                <a16:creationId xmlns:a16="http://schemas.microsoft.com/office/drawing/2014/main" id="{F4482FAB-5F85-0E8A-F7FA-4E34FE2B671A}"/>
               </a:ext>
             </a:extLst>
           </p:cNvPr>
@@ -3981,7 +3547,7 @@
           <a:lstStyle/>
           <a:p>
             <a:r>
-              <a:rPr lang="cs-CZ"/>
+              <a:rPr lang="cs-CZ" dirty="0"/>
               <a:t>Klíčové herní mechaniky</a:t>
             </a:r>
           </a:p>
@@ -3992,7 +3558,7 @@
           <p:cNvPr id="3" name="Zástupný obsah 2">
             <a:extLst>
               <a:ext uri="{FF2B5EF4-FFF2-40B4-BE49-F238E27FC236}">
-                <a16:creationId xmlns:a16="http://schemas.microsoft.com/office/drawing/2014/main" id="{7ACB762B-6401-4F7D-CBFD-C8CD830EEC68}"/>
+                <a16:creationId xmlns:a16="http://schemas.microsoft.com/office/drawing/2014/main" id="{DF59FAA2-6875-5BF2-C03E-45B291CF176A}"/>
               </a:ext>
             </a:extLst>
           </p:cNvPr>
@@ -4010,476 +3576,41 @@
           <a:p>
             <a:r>
               <a:rPr lang="cs-CZ" dirty="0"/>
-              <a:t>Speciální fyzika umožňuje vysoké skoky a dynamický pohyb, což vytváří unikátní </a:t>
+              <a:t>Měsíční gravitace: Speciální fyzika umožňuje vysoké skoky a dlouhé vzdušné manévry, což přidává další rozměr ke klasickému </a:t>
             </a:r>
             <a:r>
               <a:rPr lang="cs-CZ" dirty="0" err="1"/>
-              <a:t>parkourový</a:t>
+              <a:t>parkouru</a:t>
             </a:r>
             <a:r>
               <a:rPr lang="cs-CZ" dirty="0"/>
-              <a:t> zážitek</a:t>
-            </a:r>
+              <a:t>.</a:t>
+            </a:r>
+          </a:p>
+          <a:p>
+            <a:endParaRPr lang="cs-CZ" dirty="0"/>
           </a:p>
           <a:p>
             <a:r>
               <a:rPr lang="cs-CZ" dirty="0"/>
-              <a:t>Hra začíná v temných jeskyních plných překážek a postupně vede hráče na povrch Měsíce</a:t>
-            </a:r>
+              <a:t>Prostředí: Hráč se pohybuje mezi jeskynními úrovněmi, kde se překážky mění v závislosti na hloubce a blízkosti k povrchu.</a:t>
+            </a:r>
+          </a:p>
+          <a:p>
+            <a:endParaRPr lang="cs-CZ" dirty="0"/>
           </a:p>
           <a:p>
             <a:r>
               <a:rPr lang="cs-CZ" dirty="0"/>
-              <a:t>Různé úrovně obtížnosti a překážky, </a:t>
-            </a:r>
-          </a:p>
-          <a:p>
-            <a:pPr marL="0" indent="0">
-              <a:buNone/>
-            </a:pPr>
-            <a:r>
-              <a:rPr lang="cs-CZ" dirty="0"/>
-              <a:t>které prověří hráčovy reflexy a dovednosti.</a:t>
-            </a:r>
-          </a:p>
-        </p:txBody>
-      </p:sp>
-      <p:sp>
-        <p:nvSpPr>
-          <p:cNvPr id="5" name="Rectangle 2">
-            <a:extLst>
-              <a:ext uri="{FF2B5EF4-FFF2-40B4-BE49-F238E27FC236}">
-                <a16:creationId xmlns:a16="http://schemas.microsoft.com/office/drawing/2014/main" id="{0D5F64BF-2E6C-8398-6C23-9EE704D58F65}"/>
-              </a:ext>
-            </a:extLst>
-          </p:cNvPr>
-          <p:cNvSpPr>
-            <a:spLocks noChangeArrowheads="1"/>
-          </p:cNvSpPr>
-          <p:nvPr/>
-        </p:nvSpPr>
-        <p:spPr bwMode="auto">
-          <a:xfrm>
-            <a:off x="0" y="0"/>
-            <a:ext cx="12192000" cy="0"/>
-          </a:xfrm>
-          <a:prstGeom prst="rect">
-            <a:avLst/>
-          </a:prstGeom>
-          <a:noFill/>
-          <a:ln>
-            <a:noFill/>
-          </a:ln>
-          <a:effectLst/>
-          <a:extLst>
-            <a:ext uri="{909E8E84-426E-40DD-AFC4-6F175D3DCCD1}">
-              <a14:hiddenFill xmlns:a14="http://schemas.microsoft.com/office/drawing/2010/main">
-                <a:solidFill>
-                  <a:schemeClr val="accent1"/>
-                </a:solidFill>
-              </a14:hiddenFill>
-            </a:ext>
-            <a:ext uri="{91240B29-F687-4F45-9708-019B960494DF}">
-              <a14:hiddenLine xmlns:a14="http://schemas.microsoft.com/office/drawing/2010/main" w="9525">
-                <a:solidFill>
-                  <a:schemeClr val="tx1"/>
-                </a:solidFill>
-                <a:miter lim="800000"/>
-                <a:headEnd/>
-                <a:tailEnd/>
-              </a14:hiddenLine>
-            </a:ext>
-            <a:ext uri="{AF507438-7753-43E0-B8FC-AC1667EBCBE1}">
-              <a14:hiddenEffects xmlns:a14="http://schemas.microsoft.com/office/drawing/2010/main">
-                <a:effectLst>
-                  <a:outerShdw dist="35921" dir="2700000" algn="ctr" rotWithShape="0">
-                    <a:schemeClr val="bg2"/>
-                  </a:outerShdw>
-                </a:effectLst>
-              </a14:hiddenEffects>
-            </a:ext>
-          </a:extLst>
-        </p:spPr>
-        <p:txBody>
-          <a:bodyPr vert="horz" wrap="none" lIns="91440" tIns="45720" rIns="91440" bIns="45720" numCol="1" anchor="ctr" anchorCtr="0" compatLnSpc="1">
-            <a:prstTxWarp prst="textNoShape">
-              <a:avLst/>
-            </a:prstTxWarp>
-            <a:spAutoFit/>
-          </a:bodyPr>
-          <a:lstStyle/>
-          <a:p>
-            <a:pPr marL="0" marR="0" lvl="0" indent="0" algn="l" defTabSz="914400" rtl="0" eaLnBrk="0" fontAlgn="base" latinLnBrk="0" hangingPunct="0">
-              <a:lnSpc>
-                <a:spcPct val="100000"/>
-              </a:lnSpc>
-              <a:spcBef>
-                <a:spcPct val="0"/>
-              </a:spcBef>
-              <a:spcAft>
-                <a:spcPct val="0"/>
-              </a:spcAft>
-              <a:buClrTx/>
-              <a:buSzTx/>
-              <a:buFontTx/>
-              <a:buChar char="•"/>
-              <a:tabLst/>
-            </a:pPr>
-            <a:r>
-              <a:rPr kumimoji="0" lang="cs-CZ" altLang="cs-CZ" sz="1800" b="1" i="0" u="none" strike="noStrike" cap="none" normalizeH="0" baseline="0">
-                <a:ln>
-                  <a:noFill/>
-                </a:ln>
-                <a:solidFill>
-                  <a:schemeClr val="tx1"/>
-                </a:solidFill>
-                <a:effectLst/>
-                <a:latin typeface="Arial" panose="020B0604020202020204" pitchFamily="34" charset="0"/>
-              </a:rPr>
-              <a:t>Měsíční gravitace</a:t>
-            </a:r>
-            <a:r>
-              <a:rPr kumimoji="0" lang="cs-CZ" altLang="cs-CZ" sz="1800" b="0" i="0" u="none" strike="noStrike" cap="none" normalizeH="0" baseline="0">
-                <a:ln>
-                  <a:noFill/>
-                </a:ln>
-                <a:solidFill>
-                  <a:schemeClr val="tx1"/>
-                </a:solidFill>
-                <a:effectLst/>
-                <a:latin typeface="Arial" panose="020B0604020202020204" pitchFamily="34" charset="0"/>
-              </a:rPr>
-              <a:t>: Speciální fyzika umožňuje vysoké skoky a dynamický pohyb, což vytváří unikátní parkourový zážitek.</a:t>
-            </a:r>
-          </a:p>
-          <a:p>
-            <a:pPr marL="0" marR="0" lvl="0" indent="0" algn="l" defTabSz="914400" rtl="0" eaLnBrk="0" fontAlgn="base" latinLnBrk="0" hangingPunct="0">
-              <a:lnSpc>
-                <a:spcPct val="100000"/>
-              </a:lnSpc>
-              <a:spcBef>
-                <a:spcPct val="0"/>
-              </a:spcBef>
-              <a:spcAft>
-                <a:spcPct val="0"/>
-              </a:spcAft>
-              <a:buClrTx/>
-              <a:buSzTx/>
-              <a:buFontTx/>
-              <a:buChar char="•"/>
-              <a:tabLst/>
-            </a:pPr>
-            <a:r>
-              <a:rPr kumimoji="0" lang="cs-CZ" altLang="cs-CZ" sz="1800" b="1" i="0" u="none" strike="noStrike" cap="none" normalizeH="0" baseline="0">
-                <a:ln>
-                  <a:noFill/>
-                </a:ln>
-                <a:solidFill>
-                  <a:schemeClr val="tx1"/>
-                </a:solidFill>
-                <a:effectLst/>
-                <a:latin typeface="Arial" panose="020B0604020202020204" pitchFamily="34" charset="0"/>
-              </a:rPr>
-              <a:t>Prostředí</a:t>
-            </a:r>
-            <a:r>
-              <a:rPr kumimoji="0" lang="cs-CZ" altLang="cs-CZ" sz="1800" b="0" i="0" u="none" strike="noStrike" cap="none" normalizeH="0" baseline="0">
-                <a:ln>
-                  <a:noFill/>
-                </a:ln>
-                <a:solidFill>
-                  <a:schemeClr val="tx1"/>
-                </a:solidFill>
-                <a:effectLst/>
-                <a:latin typeface="Arial" panose="020B0604020202020204" pitchFamily="34" charset="0"/>
-              </a:rPr>
-              <a:t>: Hra začíná v temných jeskyních plných překážek a postupně vede hráče na povrch Měsíce.</a:t>
-            </a:r>
-          </a:p>
-          <a:p>
-            <a:pPr marL="0" marR="0" lvl="0" indent="0" algn="l" defTabSz="914400" rtl="0" eaLnBrk="0" fontAlgn="base" latinLnBrk="0" hangingPunct="0">
-              <a:lnSpc>
-                <a:spcPct val="100000"/>
-              </a:lnSpc>
-              <a:spcBef>
-                <a:spcPct val="0"/>
-              </a:spcBef>
-              <a:spcAft>
-                <a:spcPct val="0"/>
-              </a:spcAft>
-              <a:buClrTx/>
-              <a:buSzTx/>
-              <a:buFontTx/>
-              <a:buChar char="•"/>
-              <a:tabLst/>
-            </a:pPr>
-            <a:r>
-              <a:rPr kumimoji="0" lang="cs-CZ" altLang="cs-CZ" sz="1800" b="1" i="0" u="none" strike="noStrike" cap="none" normalizeH="0" baseline="0">
-                <a:ln>
-                  <a:noFill/>
-                </a:ln>
-                <a:solidFill>
-                  <a:schemeClr val="tx1"/>
-                </a:solidFill>
-                <a:effectLst/>
-                <a:latin typeface="Arial" panose="020B0604020202020204" pitchFamily="34" charset="0"/>
-              </a:rPr>
-              <a:t>Výzvy</a:t>
-            </a:r>
-            <a:r>
-              <a:rPr kumimoji="0" lang="cs-CZ" altLang="cs-CZ" sz="1800" b="0" i="0" u="none" strike="noStrike" cap="none" normalizeH="0" baseline="0">
-                <a:ln>
-                  <a:noFill/>
-                </a:ln>
-                <a:solidFill>
-                  <a:schemeClr val="tx1"/>
-                </a:solidFill>
-                <a:effectLst/>
-                <a:latin typeface="Arial" panose="020B0604020202020204" pitchFamily="34" charset="0"/>
-              </a:rPr>
-              <a:t>: Různé úrovně obtížnosti a překážky, které prověří hráčovy reflexy a dovednosti. </a:t>
-            </a:r>
-          </a:p>
-        </p:txBody>
-      </p:sp>
-      <p:sp>
-        <p:nvSpPr>
-          <p:cNvPr id="6" name="Rectangle 3">
-            <a:extLst>
-              <a:ext uri="{FF2B5EF4-FFF2-40B4-BE49-F238E27FC236}">
-                <a16:creationId xmlns:a16="http://schemas.microsoft.com/office/drawing/2014/main" id="{CADE9514-5DCE-8AE7-3B8F-970ED138FDF7}"/>
-              </a:ext>
-            </a:extLst>
-          </p:cNvPr>
-          <p:cNvSpPr>
-            <a:spLocks noChangeArrowheads="1"/>
-          </p:cNvSpPr>
-          <p:nvPr/>
-        </p:nvSpPr>
-        <p:spPr bwMode="auto">
-          <a:xfrm>
-            <a:off x="152400" y="152400"/>
-            <a:ext cx="12192000" cy="0"/>
-          </a:xfrm>
-          <a:prstGeom prst="rect">
-            <a:avLst/>
-          </a:prstGeom>
-          <a:noFill/>
-          <a:ln>
-            <a:noFill/>
-          </a:ln>
-          <a:effectLst/>
-          <a:extLst>
-            <a:ext uri="{909E8E84-426E-40DD-AFC4-6F175D3DCCD1}">
-              <a14:hiddenFill xmlns:a14="http://schemas.microsoft.com/office/drawing/2010/main">
-                <a:solidFill>
-                  <a:schemeClr val="accent1"/>
-                </a:solidFill>
-              </a14:hiddenFill>
-            </a:ext>
-            <a:ext uri="{91240B29-F687-4F45-9708-019B960494DF}">
-              <a14:hiddenLine xmlns:a14="http://schemas.microsoft.com/office/drawing/2010/main" w="9525">
-                <a:solidFill>
-                  <a:schemeClr val="tx1"/>
-                </a:solidFill>
-                <a:miter lim="800000"/>
-                <a:headEnd/>
-                <a:tailEnd/>
-              </a14:hiddenLine>
-            </a:ext>
-            <a:ext uri="{AF507438-7753-43E0-B8FC-AC1667EBCBE1}">
-              <a14:hiddenEffects xmlns:a14="http://schemas.microsoft.com/office/drawing/2010/main">
-                <a:effectLst>
-                  <a:outerShdw dist="35921" dir="2700000" algn="ctr" rotWithShape="0">
-                    <a:schemeClr val="bg2"/>
-                  </a:outerShdw>
-                </a:effectLst>
-              </a14:hiddenEffects>
-            </a:ext>
-          </a:extLst>
-        </p:spPr>
-        <p:txBody>
-          <a:bodyPr vert="horz" wrap="none" lIns="91440" tIns="45720" rIns="91440" bIns="45720" numCol="1" anchor="ctr" anchorCtr="0" compatLnSpc="1">
-            <a:prstTxWarp prst="textNoShape">
-              <a:avLst/>
-            </a:prstTxWarp>
-            <a:spAutoFit/>
-          </a:bodyPr>
-          <a:lstStyle/>
-          <a:p>
-            <a:pPr marL="0" marR="0" lvl="0" indent="0" algn="l" defTabSz="914400" rtl="0" eaLnBrk="0" fontAlgn="base" latinLnBrk="0" hangingPunct="0">
-              <a:lnSpc>
-                <a:spcPct val="100000"/>
-              </a:lnSpc>
-              <a:spcBef>
-                <a:spcPct val="0"/>
-              </a:spcBef>
-              <a:spcAft>
-                <a:spcPct val="0"/>
-              </a:spcAft>
-              <a:buClrTx/>
-              <a:buSzTx/>
-              <a:buFontTx/>
-              <a:buChar char="•"/>
-              <a:tabLst/>
-            </a:pPr>
-            <a:r>
-              <a:rPr kumimoji="0" lang="cs-CZ" altLang="cs-CZ" sz="1800" b="1" i="0" u="none" strike="noStrike" cap="none" normalizeH="0" baseline="0">
-                <a:ln>
-                  <a:noFill/>
-                </a:ln>
-                <a:solidFill>
-                  <a:schemeClr val="tx1"/>
-                </a:solidFill>
-                <a:effectLst/>
-                <a:latin typeface="Arial" panose="020B0604020202020204" pitchFamily="34" charset="0"/>
-              </a:rPr>
-              <a:t>Měsíční gravitace</a:t>
-            </a:r>
-            <a:r>
-              <a:rPr kumimoji="0" lang="cs-CZ" altLang="cs-CZ" sz="1800" b="0" i="0" u="none" strike="noStrike" cap="none" normalizeH="0" baseline="0">
-                <a:ln>
-                  <a:noFill/>
-                </a:ln>
-                <a:solidFill>
-                  <a:schemeClr val="tx1"/>
-                </a:solidFill>
-                <a:effectLst/>
-                <a:latin typeface="Arial" panose="020B0604020202020204" pitchFamily="34" charset="0"/>
-              </a:rPr>
-              <a:t>: Speciální fyzika umožňuje vysoké skoky a dynamický pohyb, což vytváří unikátní parkourový zážitek.</a:t>
-            </a:r>
-          </a:p>
-          <a:p>
-            <a:pPr marL="0" marR="0" lvl="0" indent="0" algn="l" defTabSz="914400" rtl="0" eaLnBrk="0" fontAlgn="base" latinLnBrk="0" hangingPunct="0">
-              <a:lnSpc>
-                <a:spcPct val="100000"/>
-              </a:lnSpc>
-              <a:spcBef>
-                <a:spcPct val="0"/>
-              </a:spcBef>
-              <a:spcAft>
-                <a:spcPct val="0"/>
-              </a:spcAft>
-              <a:buClrTx/>
-              <a:buSzTx/>
-              <a:buFontTx/>
-              <a:buChar char="•"/>
-              <a:tabLst/>
-            </a:pPr>
-            <a:r>
-              <a:rPr kumimoji="0" lang="cs-CZ" altLang="cs-CZ" sz="1800" b="1" i="0" u="none" strike="noStrike" cap="none" normalizeH="0" baseline="0">
-                <a:ln>
-                  <a:noFill/>
-                </a:ln>
-                <a:solidFill>
-                  <a:schemeClr val="tx1"/>
-                </a:solidFill>
-                <a:effectLst/>
-                <a:latin typeface="Arial" panose="020B0604020202020204" pitchFamily="34" charset="0"/>
-              </a:rPr>
-              <a:t>Prostředí</a:t>
-            </a:r>
-            <a:r>
-              <a:rPr kumimoji="0" lang="cs-CZ" altLang="cs-CZ" sz="1800" b="0" i="0" u="none" strike="noStrike" cap="none" normalizeH="0" baseline="0">
-                <a:ln>
-                  <a:noFill/>
-                </a:ln>
-                <a:solidFill>
-                  <a:schemeClr val="tx1"/>
-                </a:solidFill>
-                <a:effectLst/>
-                <a:latin typeface="Arial" panose="020B0604020202020204" pitchFamily="34" charset="0"/>
-              </a:rPr>
-              <a:t>: Hra začíná v temných jeskyních plných překážek a postupně vede hráče na povrch Měsíce.</a:t>
-            </a:r>
-          </a:p>
-          <a:p>
-            <a:pPr marL="0" marR="0" lvl="0" indent="0" algn="l" defTabSz="914400" rtl="0" eaLnBrk="0" fontAlgn="base" latinLnBrk="0" hangingPunct="0">
-              <a:lnSpc>
-                <a:spcPct val="100000"/>
-              </a:lnSpc>
-              <a:spcBef>
-                <a:spcPct val="0"/>
-              </a:spcBef>
-              <a:spcAft>
-                <a:spcPct val="0"/>
-              </a:spcAft>
-              <a:buClrTx/>
-              <a:buSzTx/>
-              <a:buFontTx/>
-              <a:buChar char="•"/>
-              <a:tabLst/>
-            </a:pPr>
-            <a:r>
-              <a:rPr kumimoji="0" lang="cs-CZ" altLang="cs-CZ" sz="1800" b="1" i="0" u="none" strike="noStrike" cap="none" normalizeH="0" baseline="0">
-                <a:ln>
-                  <a:noFill/>
-                </a:ln>
-                <a:solidFill>
-                  <a:schemeClr val="tx1"/>
-                </a:solidFill>
-                <a:effectLst/>
-                <a:latin typeface="Arial" panose="020B0604020202020204" pitchFamily="34" charset="0"/>
-              </a:rPr>
-              <a:t>Výzvy</a:t>
-            </a:r>
-            <a:r>
-              <a:rPr kumimoji="0" lang="cs-CZ" altLang="cs-CZ" sz="1800" b="0" i="0" u="none" strike="noStrike" cap="none" normalizeH="0" baseline="0">
-                <a:ln>
-                  <a:noFill/>
-                </a:ln>
-                <a:solidFill>
-                  <a:schemeClr val="tx1"/>
-                </a:solidFill>
-                <a:effectLst/>
-                <a:latin typeface="Arial" panose="020B0604020202020204" pitchFamily="34" charset="0"/>
-              </a:rPr>
-              <a:t>: Různé úrovně obtížnosti a překážky, které prověří hráčovy reflexy a dovednosti. </a:t>
-            </a:r>
-          </a:p>
-        </p:txBody>
-      </p:sp>
-      <p:pic>
-        <p:nvPicPr>
-          <p:cNvPr id="8" name="Obrázek 7">
-            <a:extLst>
-              <a:ext uri="{FF2B5EF4-FFF2-40B4-BE49-F238E27FC236}">
-                <a16:creationId xmlns:a16="http://schemas.microsoft.com/office/drawing/2014/main" id="{E74EE897-41CA-C62C-2207-07C23C28F448}"/>
-              </a:ext>
-            </a:extLst>
-          </p:cNvPr>
-          <p:cNvPicPr>
-            <a:picLocks noChangeAspect="1"/>
-          </p:cNvPicPr>
-          <p:nvPr/>
-        </p:nvPicPr>
-        <p:blipFill>
-          <a:blip r:embed="rId2">
-            <a:extLst>
-              <a:ext uri="{28A0092B-C50C-407E-A947-70E740481C1C}">
-                <a14:useLocalDpi xmlns:a14="http://schemas.microsoft.com/office/drawing/2010/main" val="0"/>
-              </a:ext>
-            </a:extLst>
-          </a:blip>
-          <a:stretch>
-            <a:fillRect/>
-          </a:stretch>
-        </p:blipFill>
-        <p:spPr>
-          <a:xfrm>
-            <a:off x="7103706" y="3661028"/>
-            <a:ext cx="5133890" cy="3299167"/>
-          </a:xfrm>
-          <a:prstGeom prst="rect">
-            <a:avLst/>
-          </a:prstGeom>
-        </p:spPr>
-      </p:pic>
+              <a:t>Výzvy: Úrovně různé obtížnosti, náročné skoky, pohyblivé plošiny a pasti, které otestují hráčovy dovednosti.</a:t>
+            </a:r>
+          </a:p>
+        </p:txBody>
+      </p:sp>
     </p:spTree>
     <p:extLst>
       <p:ext uri="{BB962C8B-B14F-4D97-AF65-F5344CB8AC3E}">
-        <p14:creationId xmlns:p14="http://schemas.microsoft.com/office/powerpoint/2010/main" val="2579762420"/>
+        <p14:creationId xmlns:p14="http://schemas.microsoft.com/office/powerpoint/2010/main" val="1151971832"/>
       </p:ext>
     </p:extLst>
   </p:cSld>
@@ -4506,97 +3637,12 @@
           <a:chExt cx="0" cy="0"/>
         </a:xfrm>
       </p:grpSpPr>
-      <p:sp>
-        <p:nvSpPr>
-          <p:cNvPr id="2" name="Nadpis 1">
-            <a:extLst>
-              <a:ext uri="{FF2B5EF4-FFF2-40B4-BE49-F238E27FC236}">
-                <a16:creationId xmlns:a16="http://schemas.microsoft.com/office/drawing/2014/main" id="{3CB44AB9-CC36-10AD-BBC9-6017F18B046C}"/>
-              </a:ext>
-            </a:extLst>
-          </p:cNvPr>
-          <p:cNvSpPr>
-            <a:spLocks noGrp="1"/>
-          </p:cNvSpPr>
-          <p:nvPr>
-            <p:ph type="title"/>
-          </p:nvPr>
-        </p:nvSpPr>
-        <p:spPr/>
-        <p:txBody>
-          <a:bodyPr/>
-          <a:lstStyle/>
-          <a:p>
-            <a:r>
-              <a:rPr lang="cs-CZ" dirty="0"/>
-              <a:t>Uživatelské rozhraní (UI)</a:t>
-            </a:r>
-          </a:p>
-        </p:txBody>
-      </p:sp>
-      <p:sp>
-        <p:nvSpPr>
-          <p:cNvPr id="3" name="Zástupný obsah 2">
-            <a:extLst>
-              <a:ext uri="{FF2B5EF4-FFF2-40B4-BE49-F238E27FC236}">
-                <a16:creationId xmlns:a16="http://schemas.microsoft.com/office/drawing/2014/main" id="{904C5B00-01B8-453E-8DE2-76B0B5A3B505}"/>
-              </a:ext>
-            </a:extLst>
-          </p:cNvPr>
-          <p:cNvSpPr>
-            <a:spLocks noGrp="1"/>
-          </p:cNvSpPr>
-          <p:nvPr>
-            <p:ph idx="1"/>
-          </p:nvPr>
-        </p:nvSpPr>
-        <p:spPr/>
-        <p:txBody>
-          <a:bodyPr/>
-          <a:lstStyle/>
-          <a:p>
-            <a:r>
-              <a:rPr lang="cs-CZ" dirty="0"/>
-              <a:t>Hra obsahuje intuitivní </a:t>
-            </a:r>
-            <a:r>
-              <a:rPr lang="cs-CZ" dirty="0" err="1"/>
-              <a:t>overlay</a:t>
-            </a:r>
-            <a:r>
-              <a:rPr lang="cs-CZ" dirty="0"/>
-              <a:t> zobrazující:</a:t>
-            </a:r>
-          </a:p>
-          <a:p>
-            <a:pPr lvl="1"/>
-            <a:r>
-              <a:rPr lang="cs-CZ" dirty="0"/>
-              <a:t>Počet nasbíraných klíčů</a:t>
-            </a:r>
-          </a:p>
-          <a:p>
-            <a:pPr lvl="1"/>
-            <a:r>
-              <a:rPr lang="cs-CZ" dirty="0"/>
-              <a:t>Čas hry</a:t>
-            </a:r>
-          </a:p>
-          <a:p>
-            <a:pPr lvl="1"/>
-            <a:r>
-              <a:rPr lang="cs-CZ" dirty="0"/>
-              <a:t>Počet úmrtí</a:t>
-            </a:r>
-          </a:p>
-        </p:txBody>
-      </p:sp>
       <p:pic>
         <p:nvPicPr>
-          <p:cNvPr id="7" name="Obrázek 6">
-            <a:extLst>
-              <a:ext uri="{FF2B5EF4-FFF2-40B4-BE49-F238E27FC236}">
-                <a16:creationId xmlns:a16="http://schemas.microsoft.com/office/drawing/2014/main" id="{E5A0A61A-C944-EA7B-1A00-2B53C7F81CE8}"/>
+          <p:cNvPr id="8" name="Obrázek 7">
+            <a:extLst>
+              <a:ext uri="{FF2B5EF4-FFF2-40B4-BE49-F238E27FC236}">
+                <a16:creationId xmlns:a16="http://schemas.microsoft.com/office/drawing/2014/main" id="{F45F2A5B-5013-B3CE-2453-02074A767CC4}"/>
               </a:ext>
             </a:extLst>
           </p:cNvPr>
@@ -4606,7 +3652,7 @@
           <p:nvPr/>
         </p:nvPicPr>
         <p:blipFill>
-          <a:blip r:embed="rId3">
+          <a:blip r:embed="rId2">
             <a:extLst>
               <a:ext uri="{28A0092B-C50C-407E-A947-70E740481C1C}">
                 <a14:useLocalDpi xmlns:a14="http://schemas.microsoft.com/office/drawing/2010/main" val="0"/>
@@ -4619,18 +3665,98 @@
         </p:blipFill>
         <p:spPr>
           <a:xfrm>
-            <a:off x="5182985" y="2740027"/>
-            <a:ext cx="7009015" cy="4117973"/>
+            <a:off x="156864" y="0"/>
+            <a:ext cx="11878272" cy="6978783"/>
           </a:xfrm>
           <a:prstGeom prst="rect">
             <a:avLst/>
           </a:prstGeom>
         </p:spPr>
       </p:pic>
+      <p:sp>
+        <p:nvSpPr>
+          <p:cNvPr id="2" name="Nadpis 1">
+            <a:extLst>
+              <a:ext uri="{FF2B5EF4-FFF2-40B4-BE49-F238E27FC236}">
+                <a16:creationId xmlns:a16="http://schemas.microsoft.com/office/drawing/2014/main" id="{B2764606-38C9-5EDF-24AC-1DB2F3FD4AE2}"/>
+              </a:ext>
+            </a:extLst>
+          </p:cNvPr>
+          <p:cNvSpPr>
+            <a:spLocks noGrp="1"/>
+          </p:cNvSpPr>
+          <p:nvPr>
+            <p:ph type="title"/>
+          </p:nvPr>
+        </p:nvSpPr>
+        <p:spPr>
+          <a:xfrm>
+            <a:off x="838200" y="917575"/>
+            <a:ext cx="10515600" cy="1325563"/>
+          </a:xfrm>
+        </p:spPr>
+        <p:txBody>
+          <a:bodyPr/>
+          <a:lstStyle/>
+          <a:p>
+            <a:r>
+              <a:rPr lang="cs-CZ" dirty="0"/>
+              <a:t>Uživatelské rozhraní (UI)</a:t>
+            </a:r>
+          </a:p>
+        </p:txBody>
+      </p:sp>
+      <p:sp>
+        <p:nvSpPr>
+          <p:cNvPr id="3" name="Zástupný obsah 2">
+            <a:extLst>
+              <a:ext uri="{FF2B5EF4-FFF2-40B4-BE49-F238E27FC236}">
+                <a16:creationId xmlns:a16="http://schemas.microsoft.com/office/drawing/2014/main" id="{E0263D80-2C8B-3CCC-419B-156F3C3FC025}"/>
+              </a:ext>
+            </a:extLst>
+          </p:cNvPr>
+          <p:cNvSpPr>
+            <a:spLocks noGrp="1"/>
+          </p:cNvSpPr>
+          <p:nvPr>
+            <p:ph idx="1"/>
+          </p:nvPr>
+        </p:nvSpPr>
+        <p:spPr>
+          <a:xfrm>
+            <a:off x="838200" y="2435291"/>
+            <a:ext cx="10515600" cy="4351338"/>
+          </a:xfrm>
+        </p:spPr>
+        <p:txBody>
+          <a:bodyPr/>
+          <a:lstStyle/>
+          <a:p>
+            <a:r>
+              <a:rPr lang="cs-CZ" dirty="0"/>
+              <a:t>Přehled herních informací: Intuitivní </a:t>
+            </a:r>
+            <a:r>
+              <a:rPr lang="cs-CZ" dirty="0" err="1"/>
+              <a:t>overlay</a:t>
+            </a:r>
+            <a:r>
+              <a:rPr lang="cs-CZ" dirty="0"/>
+              <a:t> s informacemi o počtu klíčů, času a počtu smrtí.</a:t>
+            </a:r>
+          </a:p>
+          <a:p>
+            <a:r>
+              <a:rPr lang="cs-CZ" dirty="0"/>
+              <a:t>Minimalistické ovládání: Jednoduché rozložení informací, které hráči pomáhá sledovat jeho postup bez rušivých prvků.</a:t>
+            </a:r>
+          </a:p>
+        </p:txBody>
+      </p:sp>
     </p:spTree>
     <p:extLst>
       <p:ext uri="{BB962C8B-B14F-4D97-AF65-F5344CB8AC3E}">
-        <p14:creationId xmlns:p14="http://schemas.microsoft.com/office/powerpoint/2010/main" val="3899097430"/>
+        <p14:creationId xmlns:p14="http://schemas.microsoft.com/office/powerpoint/2010/main" val="3123757450"/>
       </p:ext>
     </p:extLst>
   </p:cSld>
@@ -4662,7 +3788,7 @@
           <p:cNvPr id="2" name="Nadpis 1">
             <a:extLst>
               <a:ext uri="{FF2B5EF4-FFF2-40B4-BE49-F238E27FC236}">
-                <a16:creationId xmlns:a16="http://schemas.microsoft.com/office/drawing/2014/main" id="{B84A0C7E-4C21-A3A5-05D2-AB46FBC21EE1}"/>
+                <a16:creationId xmlns:a16="http://schemas.microsoft.com/office/drawing/2014/main" id="{534A9473-64EF-4798-31E8-3B9010499211}"/>
               </a:ext>
             </a:extLst>
           </p:cNvPr>
@@ -4690,7 +3816,7 @@
           <p:cNvPr id="3" name="Zástupný obsah 2">
             <a:extLst>
               <a:ext uri="{FF2B5EF4-FFF2-40B4-BE49-F238E27FC236}">
-                <a16:creationId xmlns:a16="http://schemas.microsoft.com/office/drawing/2014/main" id="{C1AECCB7-0439-A7A2-C359-FAC1482E1E1B}"/>
+                <a16:creationId xmlns:a16="http://schemas.microsoft.com/office/drawing/2014/main" id="{2688202D-9CDC-8C32-4A93-FEB57F249D21}"/>
               </a:ext>
             </a:extLst>
           </p:cNvPr>
@@ -4708,72 +3834,33 @@
           <a:p>
             <a:r>
               <a:rPr lang="cs-CZ" dirty="0"/>
-              <a:t>Hra se odehrává v temném a tajemném prostředí měsíčních jeskyní, plném skrytých zákoutí a tajemství.</a:t>
-            </a:r>
+              <a:t>Měsíční jeskyně: Temné, mystické jeskyně plné překážek a tajemství.</a:t>
+            </a:r>
+          </a:p>
+          <a:p>
+            <a:endParaRPr lang="cs-CZ" dirty="0"/>
           </a:p>
           <a:p>
             <a:r>
               <a:rPr lang="cs-CZ" dirty="0"/>
-              <a:t>Tmavé a realistické zpracování podporuje atmosféru opuštěného vesmíru a pocit izolace.</a:t>
-            </a:r>
+              <a:t>Vizuální styl: Tmavý a realistický styl podporuje atmosféru izolace a dobrodružství.</a:t>
+            </a:r>
+          </a:p>
+          <a:p>
+            <a:endParaRPr lang="cs-CZ" dirty="0"/>
           </a:p>
           <a:p>
             <a:r>
               <a:rPr lang="cs-CZ" dirty="0"/>
-              <a:t>Každý prvek prostředí je součástí </a:t>
-            </a:r>
-          </a:p>
-          <a:p>
-            <a:pPr marL="0" indent="0">
-              <a:buNone/>
-            </a:pPr>
-            <a:r>
-              <a:rPr lang="cs-CZ" dirty="0"/>
-              <a:t>výzvy, kterou musí hráč překonat.</a:t>
-            </a:r>
-          </a:p>
-        </p:txBody>
-      </p:sp>
-      <p:pic>
-        <p:nvPicPr>
-          <p:cNvPr id="6" name="Obrázek 5">
-            <a:extLst>
-              <a:ext uri="{FF2B5EF4-FFF2-40B4-BE49-F238E27FC236}">
-                <a16:creationId xmlns:a16="http://schemas.microsoft.com/office/drawing/2014/main" id="{481AD173-7389-8BB4-9B35-614A10CCA188}"/>
-              </a:ext>
-            </a:extLst>
-          </p:cNvPr>
-          <p:cNvPicPr>
-            <a:picLocks noChangeAspect="1"/>
-          </p:cNvPicPr>
-          <p:nvPr/>
-        </p:nvPicPr>
-        <p:blipFill>
-          <a:blip r:embed="rId2">
-            <a:extLst>
-              <a:ext uri="{28A0092B-C50C-407E-A947-70E740481C1C}">
-                <a14:useLocalDpi xmlns:a14="http://schemas.microsoft.com/office/drawing/2010/main" val="0"/>
-              </a:ext>
-            </a:extLst>
-          </a:blip>
-          <a:stretch>
-            <a:fillRect/>
-          </a:stretch>
-        </p:blipFill>
-        <p:spPr>
-          <a:xfrm>
-            <a:off x="6151438" y="3454518"/>
-            <a:ext cx="6040562" cy="3403482"/>
-          </a:xfrm>
-          <a:prstGeom prst="rect">
-            <a:avLst/>
-          </a:prstGeom>
-        </p:spPr>
-      </p:pic>
+              <a:t>Důraz na prostředí: Každá úroveň je konstruována tak, aby hráč musel používat prostředí jako součást výzvy.</a:t>
+            </a:r>
+          </a:p>
+        </p:txBody>
+      </p:sp>
     </p:spTree>
     <p:extLst>
       <p:ext uri="{BB962C8B-B14F-4D97-AF65-F5344CB8AC3E}">
-        <p14:creationId xmlns:p14="http://schemas.microsoft.com/office/powerpoint/2010/main" val="573370201"/>
+        <p14:creationId xmlns:p14="http://schemas.microsoft.com/office/powerpoint/2010/main" val="2369049552"/>
       </p:ext>
     </p:extLst>
   </p:cSld>
@@ -4805,7 +3892,7 @@
           <p:cNvPr id="2" name="Nadpis 1">
             <a:extLst>
               <a:ext uri="{FF2B5EF4-FFF2-40B4-BE49-F238E27FC236}">
-                <a16:creationId xmlns:a16="http://schemas.microsoft.com/office/drawing/2014/main" id="{F111DAEE-EE02-35EC-570B-A96A0E5174FF}"/>
+                <a16:creationId xmlns:a16="http://schemas.microsoft.com/office/drawing/2014/main" id="{DDCC6AA3-B9EF-2AF4-DB1A-CC1D868E5791}"/>
               </a:ext>
             </a:extLst>
           </p:cNvPr>
@@ -4821,10 +3908,9 @@
           <a:bodyPr/>
           <a:lstStyle/>
           <a:p>
-            <a:pPr algn="ctr"/>
             <a:r>
               <a:rPr lang="cs-CZ" dirty="0"/>
-              <a:t>Závěr</a:t>
+              <a:t>Budoucnost projektu</a:t>
             </a:r>
           </a:p>
         </p:txBody>
@@ -4834,7 +3920,7 @@
           <p:cNvPr id="3" name="Zástupný obsah 2">
             <a:extLst>
               <a:ext uri="{FF2B5EF4-FFF2-40B4-BE49-F238E27FC236}">
-                <a16:creationId xmlns:a16="http://schemas.microsoft.com/office/drawing/2014/main" id="{ADADDCD2-6DB6-63F1-0B8D-21D96E9A5708}"/>
+                <a16:creationId xmlns:a16="http://schemas.microsoft.com/office/drawing/2014/main" id="{64EDC8E4-3521-8B54-5814-4D05BA2F5FDE}"/>
               </a:ext>
             </a:extLst>
           </p:cNvPr>
@@ -4852,7 +3938,41 @@
           <a:p>
             <a:r>
               <a:rPr lang="cs-CZ" dirty="0"/>
-              <a:t>Děkuji za pozornost</a:t>
+              <a:t>Multiplayer: Režim, kde by hráči mohli soutěžit v </a:t>
+            </a:r>
+            <a:r>
+              <a:rPr lang="cs-CZ" dirty="0" err="1"/>
+              <a:t>parkourových</a:t>
+            </a:r>
+            <a:r>
+              <a:rPr lang="cs-CZ" dirty="0"/>
+              <a:t> závodech na čas.</a:t>
+            </a:r>
+          </a:p>
+          <a:p>
+            <a:endParaRPr lang="cs-CZ" dirty="0"/>
+          </a:p>
+          <a:p>
+            <a:r>
+              <a:rPr lang="cs-CZ" dirty="0"/>
+              <a:t>Rozšíření prostředí: Přidání nových lokací na Měsíci, například povrchová stanice nebo podzemní měsíční laboratoř.</a:t>
+            </a:r>
+          </a:p>
+          <a:p>
+            <a:endParaRPr lang="cs-CZ" dirty="0"/>
+          </a:p>
+          <a:p>
+            <a:r>
+              <a:rPr lang="cs-CZ" dirty="0"/>
+              <a:t>Další výzvy a sběratelské předměty: Rozšíření herního obsahu o další sběratelské předměty, </a:t>
+            </a:r>
+            <a:r>
+              <a:rPr lang="cs-CZ" dirty="0" err="1"/>
+              <a:t>achievementy</a:t>
+            </a:r>
+            <a:r>
+              <a:rPr lang="cs-CZ" dirty="0"/>
+              <a:t> a skryté úrovně.</a:t>
             </a:r>
           </a:p>
         </p:txBody>
@@ -4860,7 +3980,93 @@
     </p:spTree>
     <p:extLst>
       <p:ext uri="{BB962C8B-B14F-4D97-AF65-F5344CB8AC3E}">
-        <p14:creationId xmlns:p14="http://schemas.microsoft.com/office/powerpoint/2010/main" val="2206603593"/>
+        <p14:creationId xmlns:p14="http://schemas.microsoft.com/office/powerpoint/2010/main" val="1868539898"/>
+      </p:ext>
+    </p:extLst>
+  </p:cSld>
+  <p:clrMapOvr>
+    <a:masterClrMapping/>
+  </p:clrMapOvr>
+</p:sld>
+</file>
+
+<file path=ppt/slides/slide7.xml><?xml version="1.0" encoding="utf-8"?>
+<p:sld xmlns:a="http://schemas.openxmlformats.org/drawingml/2006/main" xmlns:r="http://schemas.openxmlformats.org/officeDocument/2006/relationships" xmlns:p="http://schemas.openxmlformats.org/presentationml/2006/main">
+  <p:cSld>
+    <p:spTree>
+      <p:nvGrpSpPr>
+        <p:cNvPr id="1" name=""/>
+        <p:cNvGrpSpPr/>
+        <p:nvPr/>
+      </p:nvGrpSpPr>
+      <p:grpSpPr>
+        <a:xfrm>
+          <a:off x="0" y="0"/>
+          <a:ext cx="0" cy="0"/>
+          <a:chOff x="0" y="0"/>
+          <a:chExt cx="0" cy="0"/>
+        </a:xfrm>
+      </p:grpSpPr>
+      <p:sp>
+        <p:nvSpPr>
+          <p:cNvPr id="2" name="Nadpis 1">
+            <a:extLst>
+              <a:ext uri="{FF2B5EF4-FFF2-40B4-BE49-F238E27FC236}">
+                <a16:creationId xmlns:a16="http://schemas.microsoft.com/office/drawing/2014/main" id="{71852BC0-B43E-3160-84D8-330E8F712D66}"/>
+              </a:ext>
+            </a:extLst>
+          </p:cNvPr>
+          <p:cNvSpPr>
+            <a:spLocks noGrp="1"/>
+          </p:cNvSpPr>
+          <p:nvPr>
+            <p:ph type="title"/>
+          </p:nvPr>
+        </p:nvSpPr>
+        <p:spPr/>
+        <p:txBody>
+          <a:bodyPr/>
+          <a:lstStyle/>
+          <a:p>
+            <a:r>
+              <a:rPr lang="cs-CZ" dirty="0"/>
+              <a:t>Závěr</a:t>
+            </a:r>
+          </a:p>
+        </p:txBody>
+      </p:sp>
+      <p:sp>
+        <p:nvSpPr>
+          <p:cNvPr id="3" name="Zástupný obsah 2">
+            <a:extLst>
+              <a:ext uri="{FF2B5EF4-FFF2-40B4-BE49-F238E27FC236}">
+                <a16:creationId xmlns:a16="http://schemas.microsoft.com/office/drawing/2014/main" id="{3AF0855B-0376-007E-20BF-1740B5D55F51}"/>
+              </a:ext>
+            </a:extLst>
+          </p:cNvPr>
+          <p:cNvSpPr>
+            <a:spLocks noGrp="1"/>
+          </p:cNvSpPr>
+          <p:nvPr>
+            <p:ph idx="1"/>
+          </p:nvPr>
+        </p:nvSpPr>
+        <p:spPr/>
+        <p:txBody>
+          <a:bodyPr/>
+          <a:lstStyle/>
+          <a:p>
+            <a:r>
+              <a:rPr lang="cs-CZ" dirty="0"/>
+              <a:t>Děkuji za pozornost.</a:t>
+            </a:r>
+          </a:p>
+        </p:txBody>
+      </p:sp>
+    </p:spTree>
+    <p:extLst>
+      <p:ext uri="{BB962C8B-B14F-4D97-AF65-F5344CB8AC3E}">
+        <p14:creationId xmlns:p14="http://schemas.microsoft.com/office/powerpoint/2010/main" val="904641914"/>
       </p:ext>
     </p:extLst>
   </p:cSld>
@@ -5163,299 +4369,4 @@
     </a:ext>
   </a:extLst>
 </a:theme>
-</file>
-
-<file path=ppt/theme/theme2.xml><?xml version="1.0" encoding="utf-8"?>
-<a:theme xmlns:a="http://schemas.openxmlformats.org/drawingml/2006/main" name="Motiv Office">
-  <a:themeElements>
-    <a:clrScheme name="Office">
-      <a:dk1>
-        <a:sysClr val="windowText" lastClr="000000"/>
-      </a:dk1>
-      <a:lt1>
-        <a:sysClr val="window" lastClr="FFFFFF"/>
-      </a:lt1>
-      <a:dk2>
-        <a:srgbClr val="44546A"/>
-      </a:dk2>
-      <a:lt2>
-        <a:srgbClr val="E7E6E6"/>
-      </a:lt2>
-      <a:accent1>
-        <a:srgbClr val="4472C4"/>
-      </a:accent1>
-      <a:accent2>
-        <a:srgbClr val="ED7D31"/>
-      </a:accent2>
-      <a:accent3>
-        <a:srgbClr val="A5A5A5"/>
-      </a:accent3>
-      <a:accent4>
-        <a:srgbClr val="FFC000"/>
-      </a:accent4>
-      <a:accent5>
-        <a:srgbClr val="5B9BD5"/>
-      </a:accent5>
-      <a:accent6>
-        <a:srgbClr val="70AD47"/>
-      </a:accent6>
-      <a:hlink>
-        <a:srgbClr val="0563C1"/>
-      </a:hlink>
-      <a:folHlink>
-        <a:srgbClr val="954F72"/>
-      </a:folHlink>
-    </a:clrScheme>
-    <a:fontScheme name="Office">
-      <a:majorFont>
-        <a:latin typeface="Calibri Light" panose="020F0302020204030204"/>
-        <a:ea typeface=""/>
-        <a:cs typeface=""/>
-        <a:font script="Jpan" typeface="游ゴシック Light"/>
-        <a:font script="Hang" typeface="맑은 고딕"/>
-        <a:font script="Hans" typeface="等线 Light"/>
-        <a:font script="Hant" typeface="新細明體"/>
-        <a:font script="Arab" typeface="Times New Roman"/>
-        <a:font script="Hebr" typeface="Times New Roman"/>
-        <a:font script="Thai" typeface="Angsana New"/>
-        <a:font script="Ethi" typeface="Nyala"/>
-        <a:font script="Beng" typeface="Vrinda"/>
-        <a:font script="Gujr" typeface="Shruti"/>
-        <a:font script="Khmr" typeface="MoolBoran"/>
-        <a:font script="Knda" typeface="Tunga"/>
-        <a:font script="Guru" typeface="Raavi"/>
-        <a:font script="Cans" typeface="Euphemia"/>
-        <a:font script="Cher" typeface="Plantagenet Cherokee"/>
-        <a:font script="Yiii" typeface="Microsoft Yi Baiti"/>
-        <a:font script="Tibt" typeface="Microsoft Himalaya"/>
-        <a:font script="Thaa" typeface="MV Boli"/>
-        <a:font script="Deva" typeface="Mangal"/>
-        <a:font script="Telu" typeface="Gautami"/>
-        <a:font script="Taml" typeface="Latha"/>
-        <a:font script="Syrc" typeface="Estrangelo Edessa"/>
-        <a:font script="Orya" typeface="Kalinga"/>
-        <a:font script="Mlym" typeface="Kartika"/>
-        <a:font script="Laoo" typeface="DokChampa"/>
-        <a:font script="Sinh" typeface="Iskoola Pota"/>
-        <a:font script="Mong" typeface="Mongolian Baiti"/>
-        <a:font script="Viet" typeface="Times New Roman"/>
-        <a:font script="Uigh" typeface="Microsoft Uighur"/>
-        <a:font script="Geor" typeface="Sylfaen"/>
-        <a:font script="Armn" typeface="Arial"/>
-        <a:font script="Bugi" typeface="Leelawadee UI"/>
-        <a:font script="Bopo" typeface="Microsoft JhengHei"/>
-        <a:font script="Java" typeface="Javanese Text"/>
-        <a:font script="Lisu" typeface="Segoe UI"/>
-        <a:font script="Mymr" typeface="Myanmar Text"/>
-        <a:font script="Nkoo" typeface="Ebrima"/>
-        <a:font script="Olck" typeface="Nirmala UI"/>
-        <a:font script="Osma" typeface="Ebrima"/>
-        <a:font script="Phag" typeface="Phagspa"/>
-        <a:font script="Syrn" typeface="Estrangelo Edessa"/>
-        <a:font script="Syrj" typeface="Estrangelo Edessa"/>
-        <a:font script="Syre" typeface="Estrangelo Edessa"/>
-        <a:font script="Sora" typeface="Nirmala UI"/>
-        <a:font script="Tale" typeface="Microsoft Tai Le"/>
-        <a:font script="Talu" typeface="Microsoft New Tai Lue"/>
-        <a:font script="Tfng" typeface="Ebrima"/>
-      </a:majorFont>
-      <a:minorFont>
-        <a:latin typeface="Calibri" panose="020F0502020204030204"/>
-        <a:ea typeface=""/>
-        <a:cs typeface=""/>
-        <a:font script="Jpan" typeface="游ゴシック"/>
-        <a:font script="Hang" typeface="맑은 고딕"/>
-        <a:font script="Hans" typeface="等线"/>
-        <a:font script="Hant" typeface="新細明體"/>
-        <a:font script="Arab" typeface="Arial"/>
-        <a:font script="Hebr" typeface="Arial"/>
-        <a:font script="Thai" typeface="Cordia New"/>
-        <a:font script="Ethi" typeface="Nyala"/>
-        <a:font script="Beng" typeface="Vrinda"/>
-        <a:font script="Gujr" typeface="Shruti"/>
-        <a:font script="Khmr" typeface="DaunPenh"/>
-        <a:font script="Knda" typeface="Tunga"/>
-        <a:font script="Guru" typeface="Raavi"/>
-        <a:font script="Cans" typeface="Euphemia"/>
-        <a:font script="Cher" typeface="Plantagenet Cherokee"/>
-        <a:font script="Yiii" typeface="Microsoft Yi Baiti"/>
-        <a:font script="Tibt" typeface="Microsoft Himalaya"/>
-        <a:font script="Thaa" typeface="MV Boli"/>
-        <a:font script="Deva" typeface="Mangal"/>
-        <a:font script="Telu" typeface="Gautami"/>
-        <a:font script="Taml" typeface="Latha"/>
-        <a:font script="Syrc" typeface="Estrangelo Edessa"/>
-        <a:font script="Orya" typeface="Kalinga"/>
-        <a:font script="Mlym" typeface="Kartika"/>
-        <a:font script="Laoo" typeface="DokChampa"/>
-        <a:font script="Sinh" typeface="Iskoola Pota"/>
-        <a:font script="Mong" typeface="Mongolian Baiti"/>
-        <a:font script="Viet" typeface="Arial"/>
-        <a:font script="Uigh" typeface="Microsoft Uighur"/>
-        <a:font script="Geor" typeface="Sylfaen"/>
-        <a:font script="Armn" typeface="Arial"/>
-        <a:font script="Bugi" typeface="Leelawadee UI"/>
-        <a:font script="Bopo" typeface="Microsoft JhengHei"/>
-        <a:font script="Java" typeface="Javanese Text"/>
-        <a:font script="Lisu" typeface="Segoe UI"/>
-        <a:font script="Mymr" typeface="Myanmar Text"/>
-        <a:font script="Nkoo" typeface="Ebrima"/>
-        <a:font script="Olck" typeface="Nirmala UI"/>
-        <a:font script="Osma" typeface="Ebrima"/>
-        <a:font script="Phag" typeface="Phagspa"/>
-        <a:font script="Syrn" typeface="Estrangelo Edessa"/>
-        <a:font script="Syrj" typeface="Estrangelo Edessa"/>
-        <a:font script="Syre" typeface="Estrangelo Edessa"/>
-        <a:font script="Sora" typeface="Nirmala UI"/>
-        <a:font script="Tale" typeface="Microsoft Tai Le"/>
-        <a:font script="Talu" typeface="Microsoft New Tai Lue"/>
-        <a:font script="Tfng" typeface="Ebrima"/>
-      </a:minorFont>
-    </a:fontScheme>
-    <a:fmtScheme name="Office">
-      <a:fillStyleLst>
-        <a:solidFill>
-          <a:schemeClr val="phClr"/>
-        </a:solidFill>
-        <a:gradFill rotWithShape="1">
-          <a:gsLst>
-            <a:gs pos="0">
-              <a:schemeClr val="phClr">
-                <a:lumMod val="110000"/>
-                <a:satMod val="105000"/>
-                <a:tint val="67000"/>
-              </a:schemeClr>
-            </a:gs>
-            <a:gs pos="50000">
-              <a:schemeClr val="phClr">
-                <a:lumMod val="105000"/>
-                <a:satMod val="103000"/>
-                <a:tint val="73000"/>
-              </a:schemeClr>
-            </a:gs>
-            <a:gs pos="100000">
-              <a:schemeClr val="phClr">
-                <a:lumMod val="105000"/>
-                <a:satMod val="109000"/>
-                <a:tint val="81000"/>
-              </a:schemeClr>
-            </a:gs>
-          </a:gsLst>
-          <a:lin ang="5400000" scaled="0"/>
-        </a:gradFill>
-        <a:gradFill rotWithShape="1">
-          <a:gsLst>
-            <a:gs pos="0">
-              <a:schemeClr val="phClr">
-                <a:satMod val="103000"/>
-                <a:lumMod val="102000"/>
-                <a:tint val="94000"/>
-              </a:schemeClr>
-            </a:gs>
-            <a:gs pos="50000">
-              <a:schemeClr val="phClr">
-                <a:satMod val="110000"/>
-                <a:lumMod val="100000"/>
-                <a:shade val="100000"/>
-              </a:schemeClr>
-            </a:gs>
-            <a:gs pos="100000">
-              <a:schemeClr val="phClr">
-                <a:lumMod val="99000"/>
-                <a:satMod val="120000"/>
-                <a:shade val="78000"/>
-              </a:schemeClr>
-            </a:gs>
-          </a:gsLst>
-          <a:lin ang="5400000" scaled="0"/>
-        </a:gradFill>
-      </a:fillStyleLst>
-      <a:lnStyleLst>
-        <a:ln w="6350" cap="flat" cmpd="sng" algn="ctr">
-          <a:solidFill>
-            <a:schemeClr val="phClr"/>
-          </a:solidFill>
-          <a:prstDash val="solid"/>
-          <a:miter lim="800000"/>
-        </a:ln>
-        <a:ln w="12700" cap="flat" cmpd="sng" algn="ctr">
-          <a:solidFill>
-            <a:schemeClr val="phClr"/>
-          </a:solidFill>
-          <a:prstDash val="solid"/>
-          <a:miter lim="800000"/>
-        </a:ln>
-        <a:ln w="19050" cap="flat" cmpd="sng" algn="ctr">
-          <a:solidFill>
-            <a:schemeClr val="phClr"/>
-          </a:solidFill>
-          <a:prstDash val="solid"/>
-          <a:miter lim="800000"/>
-        </a:ln>
-      </a:lnStyleLst>
-      <a:effectStyleLst>
-        <a:effectStyle>
-          <a:effectLst/>
-        </a:effectStyle>
-        <a:effectStyle>
-          <a:effectLst/>
-        </a:effectStyle>
-        <a:effectStyle>
-          <a:effectLst>
-            <a:outerShdw blurRad="57150" dist="19050" dir="5400000" algn="ctr" rotWithShape="0">
-              <a:srgbClr val="000000">
-                <a:alpha val="63000"/>
-              </a:srgbClr>
-            </a:outerShdw>
-          </a:effectLst>
-        </a:effectStyle>
-      </a:effectStyleLst>
-      <a:bgFillStyleLst>
-        <a:solidFill>
-          <a:schemeClr val="phClr"/>
-        </a:solidFill>
-        <a:solidFill>
-          <a:schemeClr val="phClr">
-            <a:tint val="95000"/>
-            <a:satMod val="170000"/>
-          </a:schemeClr>
-        </a:solidFill>
-        <a:gradFill rotWithShape="1">
-          <a:gsLst>
-            <a:gs pos="0">
-              <a:schemeClr val="phClr">
-                <a:tint val="93000"/>
-                <a:satMod val="150000"/>
-                <a:shade val="98000"/>
-                <a:lumMod val="102000"/>
-              </a:schemeClr>
-            </a:gs>
-            <a:gs pos="50000">
-              <a:schemeClr val="phClr">
-                <a:tint val="98000"/>
-                <a:satMod val="130000"/>
-                <a:shade val="90000"/>
-                <a:lumMod val="103000"/>
-              </a:schemeClr>
-            </a:gs>
-            <a:gs pos="100000">
-              <a:schemeClr val="phClr">
-                <a:shade val="63000"/>
-                <a:satMod val="120000"/>
-              </a:schemeClr>
-            </a:gs>
-          </a:gsLst>
-          <a:lin ang="5400000" scaled="0"/>
-        </a:gradFill>
-      </a:bgFillStyleLst>
-    </a:fmtScheme>
-  </a:themeElements>
-  <a:objectDefaults/>
-  <a:extraClrSchemeLst/>
-  <a:extLst>
-    <a:ext uri="{05A4C25C-085E-4340-85A3-A5531E510DB2}">
-      <thm15:themeFamily xmlns:thm15="http://schemas.microsoft.com/office/thememl/2012/main" name="Office Theme" id="{62F939B6-93AF-4DB8-9C6B-D6C7DFDC589F}" vid="{4A3C46E8-61CC-4603-A589-7422A47A8E4A}"/>
-    </a:ext>
-  </a:extLst>
-</a:theme>
 </file>